--- a/2024/Lec/Юнит 17 - Классификация-1.pptx
+++ b/2024/Lec/Юнит 17 - Классификация-1.pptx
@@ -37,8 +37,6 @@
     <p:sldId id="357" r:id="rId31"/>
     <p:sldId id="307" r:id="rId32"/>
     <p:sldId id="308" r:id="rId33"/>
-    <p:sldId id="359" r:id="rId34"/>
-    <p:sldId id="360" r:id="rId35"/>
   </p:sldIdLst>
   <p:sldSz cx="12192000" cy="6858000"/>
   <p:notesSz cx="6858000" cy="9144000"/>
@@ -294,7 +292,7 @@
           <a:p>
             <a:fld id="{A76E1671-358D-4BAB-9EB2-DC8D65251B89}" type="datetimeFigureOut">
               <a:rPr lang="en-US" smtClean="0"/>
-              <a:t>10/17/23</a:t>
+              <a:t>3/13/2024</a:t>
             </a:fld>
             <a:endParaRPr lang="en-US"/>
           </a:p>
@@ -494,7 +492,7 @@
           <a:p>
             <a:fld id="{A76E1671-358D-4BAB-9EB2-DC8D65251B89}" type="datetimeFigureOut">
               <a:rPr lang="en-US" smtClean="0"/>
-              <a:t>10/17/23</a:t>
+              <a:t>3/13/2024</a:t>
             </a:fld>
             <a:endParaRPr lang="en-US"/>
           </a:p>
@@ -704,7 +702,7 @@
           <a:p>
             <a:fld id="{A76E1671-358D-4BAB-9EB2-DC8D65251B89}" type="datetimeFigureOut">
               <a:rPr lang="en-US" smtClean="0"/>
-              <a:t>10/17/23</a:t>
+              <a:t>3/13/2024</a:t>
             </a:fld>
             <a:endParaRPr lang="en-US"/>
           </a:p>
@@ -904,7 +902,7 @@
           <a:p>
             <a:fld id="{A76E1671-358D-4BAB-9EB2-DC8D65251B89}" type="datetimeFigureOut">
               <a:rPr lang="en-US" smtClean="0"/>
-              <a:t>10/17/23</a:t>
+              <a:t>3/13/2024</a:t>
             </a:fld>
             <a:endParaRPr lang="en-US"/>
           </a:p>
@@ -1180,7 +1178,7 @@
           <a:p>
             <a:fld id="{A76E1671-358D-4BAB-9EB2-DC8D65251B89}" type="datetimeFigureOut">
               <a:rPr lang="en-US" smtClean="0"/>
-              <a:t>10/17/23</a:t>
+              <a:t>3/13/2024</a:t>
             </a:fld>
             <a:endParaRPr lang="en-US"/>
           </a:p>
@@ -1448,7 +1446,7 @@
           <a:p>
             <a:fld id="{A76E1671-358D-4BAB-9EB2-DC8D65251B89}" type="datetimeFigureOut">
               <a:rPr lang="en-US" smtClean="0"/>
-              <a:t>10/17/23</a:t>
+              <a:t>3/13/2024</a:t>
             </a:fld>
             <a:endParaRPr lang="en-US"/>
           </a:p>
@@ -1863,7 +1861,7 @@
           <a:p>
             <a:fld id="{A76E1671-358D-4BAB-9EB2-DC8D65251B89}" type="datetimeFigureOut">
               <a:rPr lang="en-US" smtClean="0"/>
-              <a:t>10/17/23</a:t>
+              <a:t>3/13/2024</a:t>
             </a:fld>
             <a:endParaRPr lang="en-US"/>
           </a:p>
@@ -2005,7 +2003,7 @@
           <a:p>
             <a:fld id="{A76E1671-358D-4BAB-9EB2-DC8D65251B89}" type="datetimeFigureOut">
               <a:rPr lang="en-US" smtClean="0"/>
-              <a:t>10/17/23</a:t>
+              <a:t>3/13/2024</a:t>
             </a:fld>
             <a:endParaRPr lang="en-US"/>
           </a:p>
@@ -2118,7 +2116,7 @@
           <a:p>
             <a:fld id="{A76E1671-358D-4BAB-9EB2-DC8D65251B89}" type="datetimeFigureOut">
               <a:rPr lang="en-US" smtClean="0"/>
-              <a:t>10/17/23</a:t>
+              <a:t>3/13/2024</a:t>
             </a:fld>
             <a:endParaRPr lang="en-US"/>
           </a:p>
@@ -2431,7 +2429,7 @@
           <a:p>
             <a:fld id="{A76E1671-358D-4BAB-9EB2-DC8D65251B89}" type="datetimeFigureOut">
               <a:rPr lang="en-US" smtClean="0"/>
-              <a:t>10/17/23</a:t>
+              <a:t>3/13/2024</a:t>
             </a:fld>
             <a:endParaRPr lang="en-US"/>
           </a:p>
@@ -2720,7 +2718,7 @@
           <a:p>
             <a:fld id="{A76E1671-358D-4BAB-9EB2-DC8D65251B89}" type="datetimeFigureOut">
               <a:rPr lang="en-US" smtClean="0"/>
-              <a:t>10/17/23</a:t>
+              <a:t>3/13/2024</a:t>
             </a:fld>
             <a:endParaRPr lang="en-US"/>
           </a:p>
@@ -2963,7 +2961,7 @@
           <a:p>
             <a:fld id="{A76E1671-358D-4BAB-9EB2-DC8D65251B89}" type="datetimeFigureOut">
               <a:rPr lang="en-US" smtClean="0"/>
-              <a:t>10/17/23</a:t>
+              <a:t>3/13/2024</a:t>
             </a:fld>
             <a:endParaRPr lang="en-US"/>
           </a:p>
@@ -3433,6 +3431,13 @@
   <p:clrMapOvr>
     <a:masterClrMapping/>
   </p:clrMapOvr>
+  <p:timing>
+    <p:tnLst>
+      <p:par>
+        <p:cTn id="1" dur="indefinite" restart="never" nodeType="tmRoot"/>
+      </p:par>
+    </p:tnLst>
+  </p:timing>
 </p:sld>
 </file>
 
@@ -4234,6 +4239,13 @@
   <p:clrMapOvr>
     <a:masterClrMapping/>
   </p:clrMapOvr>
+  <p:timing>
+    <p:tnLst>
+      <p:par>
+        <p:cTn id="1" dur="indefinite" restart="never" nodeType="tmRoot"/>
+      </p:par>
+    </p:tnLst>
+  </p:timing>
 </p:sld>
 </file>
 
@@ -4402,6 +4414,13 @@
   <p:clrMapOvr>
     <a:masterClrMapping/>
   </p:clrMapOvr>
+  <p:timing>
+    <p:tnLst>
+      <p:par>
+        <p:cTn id="1" dur="indefinite" restart="never" nodeType="tmRoot"/>
+      </p:par>
+    </p:tnLst>
+  </p:timing>
 </p:sld>
 </file>
 
@@ -4561,6 +4580,13 @@
   <p:clrMapOvr>
     <a:masterClrMapping/>
   </p:clrMapOvr>
+  <p:timing>
+    <p:tnLst>
+      <p:par>
+        <p:cTn id="1" dur="indefinite" restart="never" nodeType="tmRoot"/>
+      </p:par>
+    </p:tnLst>
+  </p:timing>
 </p:sld>
 </file>
 
@@ -4672,8 +4698,8 @@
         </p:blipFill>
         <p:spPr bwMode="auto">
           <a:xfrm>
-            <a:off x="5684378" y="4566607"/>
-            <a:ext cx="5826795" cy="1741204"/>
+            <a:off x="4862557" y="4566607"/>
+            <a:ext cx="4903861" cy="1312900"/>
           </a:xfrm>
           <a:prstGeom prst="rect">
             <a:avLst/>
@@ -4699,8 +4725,8 @@
         </p:blipFill>
         <p:spPr bwMode="auto">
           <a:xfrm>
-            <a:off x="487822" y="4783432"/>
-            <a:ext cx="5196556" cy="1660097"/>
+            <a:off x="217910" y="4650331"/>
+            <a:ext cx="4579834" cy="1244533"/>
           </a:xfrm>
           <a:prstGeom prst="rect">
             <a:avLst/>
@@ -4713,6 +4739,30 @@
           </a:ln>
         </p:spPr>
       </p:pic>
+      <p:pic>
+        <p:nvPicPr>
+          <p:cNvPr id="7" name="Рисунок 6"/>
+          <p:cNvPicPr>
+            <a:picLocks noChangeAspect="1"/>
+          </p:cNvPicPr>
+          <p:nvPr/>
+        </p:nvPicPr>
+        <p:blipFill>
+          <a:blip r:embed="rId3"/>
+          <a:stretch>
+            <a:fillRect/>
+          </a:stretch>
+        </p:blipFill>
+        <p:spPr>
+          <a:xfrm>
+            <a:off x="9733681" y="4461799"/>
+            <a:ext cx="1996853" cy="1433065"/>
+          </a:xfrm>
+          <a:prstGeom prst="rect">
+            <a:avLst/>
+          </a:prstGeom>
+        </p:spPr>
+      </p:pic>
     </p:spTree>
     <p:extLst>
       <p:ext uri="{BB962C8B-B14F-4D97-AF65-F5344CB8AC3E}">
@@ -4723,6 +4773,13 @@
   <p:clrMapOvr>
     <a:masterClrMapping/>
   </p:clrMapOvr>
+  <p:timing>
+    <p:tnLst>
+      <p:par>
+        <p:cTn id="1" dur="indefinite" restart="never" nodeType="tmRoot"/>
+      </p:par>
+    </p:tnLst>
+  </p:timing>
 </p:sld>
 </file>
 
@@ -4975,6 +5032,13 @@
   <p:clrMapOvr>
     <a:masterClrMapping/>
   </p:clrMapOvr>
+  <p:timing>
+    <p:tnLst>
+      <p:par>
+        <p:cTn id="1" dur="indefinite" restart="never" nodeType="tmRoot"/>
+      </p:par>
+    </p:tnLst>
+  </p:timing>
 </p:sld>
 </file>
 
@@ -5026,6 +5090,10 @@
               <a:rPr lang="en-US" b="1" dirty="0"/>
               <a:t>. </a:t>
             </a:r>
+            <a:r>
+              <a:rPr lang="ru-RU" b="1" dirty="0"/>
+              <a:t/>
+            </a:r>
             <a:br>
               <a:rPr lang="ru-RU" b="1" dirty="0"/>
             </a:br>
@@ -5753,6 +5821,13 @@
   <p:clrMapOvr>
     <a:masterClrMapping/>
   </p:clrMapOvr>
+  <p:timing>
+    <p:tnLst>
+      <p:par>
+        <p:cTn id="1" dur="indefinite" restart="never" nodeType="tmRoot"/>
+      </p:par>
+    </p:tnLst>
+  </p:timing>
 </p:sld>
 </file>
 
@@ -6206,6 +6281,10 @@
                   </a:spcBef>
                   <a:buNone/>
                 </a:pPr>
+                <a:r>
+                  <a:rPr lang="en-US" sz="2200" dirty="0"/>
+                  <a:t/>
+                </a:r>
                 <a:br>
                   <a:rPr lang="en-US" sz="2200" dirty="0"/>
                 </a:br>
@@ -6310,6 +6389,13 @@
   <p:clrMapOvr>
     <a:masterClrMapping/>
   </p:clrMapOvr>
+  <p:timing>
+    <p:tnLst>
+      <p:par>
+        <p:cTn id="1" dur="indefinite" restart="never" nodeType="tmRoot"/>
+      </p:par>
+    </p:tnLst>
+  </p:timing>
 </p:sld>
 </file>
 
@@ -8010,6 +8096,10 @@
                   <a:rPr lang="en-US" sz="2800" dirty="0"/>
                   <a:t>.</a:t>
                 </a:r>
+                <a:r>
+                  <a:rPr lang="en-US" sz="2200" dirty="0"/>
+                  <a:t/>
+                </a:r>
                 <a:br>
                   <a:rPr lang="en-US" sz="2200" dirty="0"/>
                 </a:br>
@@ -8073,6 +8163,13 @@
   <p:clrMapOvr>
     <a:masterClrMapping/>
   </p:clrMapOvr>
+  <p:timing>
+    <p:tnLst>
+      <p:par>
+        <p:cTn id="1" dur="indefinite" restart="never" nodeType="tmRoot"/>
+      </p:par>
+    </p:tnLst>
+  </p:timing>
 </p:sld>
 </file>
 
@@ -8312,6 +8409,14 @@
               </a:rPr>
               <a:t>((N,N))</a:t>
             </a:r>
+            <a:r>
+              <a:rPr lang="en-US" sz="2000" dirty="0">
+                <a:latin typeface="Cambria" panose="02040503050406030204" pitchFamily="18" charset="0"/>
+                <a:ea typeface="Cambria" panose="02040503050406030204" pitchFamily="18" charset="0"/>
+                <a:cs typeface="Times New Roman" panose="02020603050405020304" pitchFamily="18" charset="0"/>
+              </a:rPr>
+              <a:t/>
+            </a:r>
             <a:br>
               <a:rPr lang="en-US" sz="2000" dirty="0">
                 <a:latin typeface="Cambria" panose="02040503050406030204" pitchFamily="18" charset="0"/>
@@ -8373,6 +8478,14 @@
               </a:rPr>
               <a:t> enumerate(x):</a:t>
             </a:r>
+            <a:r>
+              <a:rPr lang="en-US" sz="2000" dirty="0">
+                <a:latin typeface="Cambria" panose="02040503050406030204" pitchFamily="18" charset="0"/>
+                <a:ea typeface="Cambria" panose="02040503050406030204" pitchFamily="18" charset="0"/>
+                <a:cs typeface="Times New Roman" panose="02020603050405020304" pitchFamily="18" charset="0"/>
+              </a:rPr>
+              <a:t/>
+            </a:r>
             <a:br>
               <a:rPr lang="en-US" sz="2000" dirty="0">
                 <a:latin typeface="Cambria" panose="02040503050406030204" pitchFamily="18" charset="0"/>
@@ -8480,6 +8593,14 @@
               </a:rPr>
               <a:t>2</a:t>
             </a:r>
+            <a:r>
+              <a:rPr lang="en-US" sz="2000" dirty="0">
+                <a:latin typeface="Cambria" panose="02040503050406030204" pitchFamily="18" charset="0"/>
+                <a:ea typeface="Cambria" panose="02040503050406030204" pitchFamily="18" charset="0"/>
+                <a:cs typeface="Times New Roman" panose="02020603050405020304" pitchFamily="18" charset="0"/>
+              </a:rPr>
+              <a:t/>
+            </a:r>
             <a:br>
               <a:rPr lang="en-US" sz="2000" dirty="0">
                 <a:latin typeface="Cambria" panose="02040503050406030204" pitchFamily="18" charset="0"/>
@@ -8487,6 +8608,14 @@
                 <a:cs typeface="Times New Roman" panose="02020603050405020304" pitchFamily="18" charset="0"/>
               </a:rPr>
             </a:br>
+            <a:r>
+              <a:rPr lang="en-US" sz="2000" dirty="0">
+                <a:latin typeface="Cambria" panose="02040503050406030204" pitchFamily="18" charset="0"/>
+                <a:ea typeface="Cambria" panose="02040503050406030204" pitchFamily="18" charset="0"/>
+                <a:cs typeface="Times New Roman" panose="02020603050405020304" pitchFamily="18" charset="0"/>
+              </a:rPr>
+              <a:t/>
+            </a:r>
             <a:br>
               <a:rPr lang="en-US" sz="2000" dirty="0">
                 <a:latin typeface="Cambria" panose="02040503050406030204" pitchFamily="18" charset="0"/>
@@ -8564,6 +8693,14 @@
                 <a:cs typeface="Times New Roman" panose="02020603050405020304" pitchFamily="18" charset="0"/>
               </a:rPr>
               <a:t>)        </a:t>
+            </a:r>
+            <a:r>
+              <a:rPr lang="en-US" sz="2000" dirty="0">
+                <a:latin typeface="Cambria" panose="02040503050406030204" pitchFamily="18" charset="0"/>
+                <a:ea typeface="Cambria" panose="02040503050406030204" pitchFamily="18" charset="0"/>
+                <a:cs typeface="Times New Roman" panose="02020603050405020304" pitchFamily="18" charset="0"/>
+              </a:rPr>
+              <a:t/>
             </a:r>
             <a:br>
               <a:rPr lang="en-US" sz="2000" dirty="0">
@@ -8697,6 +8834,14 @@
               </a:rPr>
               <a:t>[[0.    0.    0.    0.01  1.34  3.282 3.282 1.34  0.   ]</a:t>
             </a:r>
+            <a:r>
+              <a:rPr lang="en-US" sz="1600" dirty="0">
+                <a:latin typeface="Cambria" panose="02040503050406030204" pitchFamily="18" charset="0"/>
+                <a:ea typeface="Cambria" panose="02040503050406030204" pitchFamily="18" charset="0"/>
+                <a:cs typeface="Times New Roman" panose="02020603050405020304" pitchFamily="18" charset="0"/>
+              </a:rPr>
+              <a:t/>
+            </a:r>
             <a:br>
               <a:rPr lang="en-US" sz="1600" dirty="0">
                 <a:latin typeface="Cambria" panose="02040503050406030204" pitchFamily="18" charset="0"/>
@@ -8712,6 +8857,14 @@
               </a:rPr>
               <a:t> [0.585 0.585 0.585 0.442 0.154 1.095 1.095 0.154 0.585]</a:t>
             </a:r>
+            <a:r>
+              <a:rPr lang="en-US" sz="1600" dirty="0">
+                <a:latin typeface="Cambria" panose="02040503050406030204" pitchFamily="18" charset="0"/>
+                <a:ea typeface="Cambria" panose="02040503050406030204" pitchFamily="18" charset="0"/>
+                <a:cs typeface="Times New Roman" panose="02020603050405020304" pitchFamily="18" charset="0"/>
+              </a:rPr>
+              <a:t/>
+            </a:r>
             <a:br>
               <a:rPr lang="en-US" sz="1600" dirty="0">
                 <a:latin typeface="Cambria" panose="02040503050406030204" pitchFamily="18" charset="0"/>
@@ -8727,6 +8880,14 @@
               </a:rPr>
               <a:t> [2.907 2.907 2.907 2.576 0.299 0.011 0.011 0.299 2.907]</a:t>
             </a:r>
+            <a:r>
+              <a:rPr lang="en-US" sz="1600" dirty="0">
+                <a:latin typeface="Cambria" panose="02040503050406030204" pitchFamily="18" charset="0"/>
+                <a:ea typeface="Cambria" panose="02040503050406030204" pitchFamily="18" charset="0"/>
+                <a:cs typeface="Times New Roman" panose="02020603050405020304" pitchFamily="18" charset="0"/>
+              </a:rPr>
+              <a:t/>
+            </a:r>
             <a:br>
               <a:rPr lang="en-US" sz="1600" dirty="0">
                 <a:latin typeface="Cambria" panose="02040503050406030204" pitchFamily="18" charset="0"/>
@@ -8742,6 +8903,14 @@
               </a:rPr>
               <a:t> [3.975 3.975 3.975 3.586 0.698 0.033 0.033 0.698 3.975]</a:t>
             </a:r>
+            <a:r>
+              <a:rPr lang="en-US" sz="1600" dirty="0">
+                <a:latin typeface="Cambria" panose="02040503050406030204" pitchFamily="18" charset="0"/>
+                <a:ea typeface="Cambria" panose="02040503050406030204" pitchFamily="18" charset="0"/>
+                <a:cs typeface="Times New Roman" panose="02020603050405020304" pitchFamily="18" charset="0"/>
+              </a:rPr>
+              <a:t/>
+            </a:r>
             <a:br>
               <a:rPr lang="en-US" sz="1600" dirty="0">
                 <a:latin typeface="Cambria" panose="02040503050406030204" pitchFamily="18" charset="0"/>
@@ -8757,6 +8926,14 @@
               </a:rPr>
               <a:t> [2.312 2.312 2.312 2.018 0.131 0.084 0.084 0.131 2.312]</a:t>
             </a:r>
+            <a:r>
+              <a:rPr lang="en-US" sz="1600" dirty="0">
+                <a:latin typeface="Cambria" panose="02040503050406030204" pitchFamily="18" charset="0"/>
+                <a:ea typeface="Cambria" panose="02040503050406030204" pitchFamily="18" charset="0"/>
+                <a:cs typeface="Times New Roman" panose="02020603050405020304" pitchFamily="18" charset="0"/>
+              </a:rPr>
+              <a:t/>
+            </a:r>
             <a:br>
               <a:rPr lang="en-US" sz="1600" dirty="0">
                 <a:latin typeface="Cambria" panose="02040503050406030204" pitchFamily="18" charset="0"/>
@@ -8772,6 +8949,14 @@
               </a:rPr>
               <a:t> [0.217 0.217 0.217 0.134 0.477 1.809 1.809 0.477 0.217]</a:t>
             </a:r>
+            <a:r>
+              <a:rPr lang="en-US" sz="1600" dirty="0">
+                <a:latin typeface="Cambria" panose="02040503050406030204" pitchFamily="18" charset="0"/>
+                <a:ea typeface="Cambria" panose="02040503050406030204" pitchFamily="18" charset="0"/>
+                <a:cs typeface="Times New Roman" panose="02020603050405020304" pitchFamily="18" charset="0"/>
+              </a:rPr>
+              <a:t/>
+            </a:r>
             <a:br>
               <a:rPr lang="en-US" sz="1600" dirty="0">
                 <a:latin typeface="Cambria" panose="02040503050406030204" pitchFamily="18" charset="0"/>
@@ -8787,6 +8972,14 @@
               </a:rPr>
               <a:t> [0.    0.    0.    0.01  1.34  3.282 3.282 1.34  0.   ]</a:t>
             </a:r>
+            <a:r>
+              <a:rPr lang="en-US" sz="1600" dirty="0">
+                <a:latin typeface="Cambria" panose="02040503050406030204" pitchFamily="18" charset="0"/>
+                <a:ea typeface="Cambria" panose="02040503050406030204" pitchFamily="18" charset="0"/>
+                <a:cs typeface="Times New Roman" panose="02020603050405020304" pitchFamily="18" charset="0"/>
+              </a:rPr>
+              <a:t/>
+            </a:r>
             <a:br>
               <a:rPr lang="en-US" sz="1600" dirty="0">
                 <a:latin typeface="Cambria" panose="02040503050406030204" pitchFamily="18" charset="0"/>
@@ -8801,6 +8994,14 @@
                 <a:cs typeface="Times New Roman" panose="02020603050405020304" pitchFamily="18" charset="0"/>
               </a:rPr>
               <a:t> [0.    0.    0.    0.01  1.34  3.282 3.282 1.34  0.   ]</a:t>
+            </a:r>
+            <a:r>
+              <a:rPr lang="en-US" sz="1600" dirty="0">
+                <a:latin typeface="Cambria" panose="02040503050406030204" pitchFamily="18" charset="0"/>
+                <a:ea typeface="Cambria" panose="02040503050406030204" pitchFamily="18" charset="0"/>
+                <a:cs typeface="Times New Roman" panose="02020603050405020304" pitchFamily="18" charset="0"/>
+              </a:rPr>
+              <a:t/>
             </a:r>
             <a:br>
               <a:rPr lang="en-US" sz="1600" dirty="0">
@@ -8885,6 +9086,14 @@
               </a:rPr>
               <a:t>5</a:t>
             </a:r>
+            <a:r>
+              <a:rPr lang="en-US" dirty="0">
+                <a:latin typeface="Consolas" panose="020B0609020204030204" pitchFamily="49" charset="0"/>
+                <a:ea typeface="Cambria" panose="02040503050406030204" pitchFamily="18" charset="0"/>
+                <a:cs typeface="Times New Roman" panose="02020603050405020304" pitchFamily="18" charset="0"/>
+              </a:rPr>
+              <a:t/>
+            </a:r>
             <a:br>
               <a:rPr lang="en-US" dirty="0">
                 <a:latin typeface="Consolas" panose="020B0609020204030204" pitchFamily="49" charset="0"/>
@@ -8930,6 +9139,14 @@
               </a:rPr>
               <a:t>9</a:t>
             </a:r>
+            <a:r>
+              <a:rPr lang="en-US" dirty="0">
+                <a:latin typeface="Consolas" panose="020B0609020204030204" pitchFamily="49" charset="0"/>
+                <a:ea typeface="Cambria" panose="02040503050406030204" pitchFamily="18" charset="0"/>
+                <a:cs typeface="Times New Roman" panose="02020603050405020304" pitchFamily="18" charset="0"/>
+              </a:rPr>
+              <a:t/>
+            </a:r>
             <a:br>
               <a:rPr lang="en-US" dirty="0">
                 <a:latin typeface="Consolas" panose="020B0609020204030204" pitchFamily="49" charset="0"/>
@@ -9451,6 +9668,14 @@
               </a:rPr>
               <a:t>0.1</a:t>
             </a:r>
+            <a:r>
+              <a:rPr lang="en-US" dirty="0">
+                <a:latin typeface="Consolas" panose="020B0609020204030204" pitchFamily="49" charset="0"/>
+                <a:ea typeface="Cambria" panose="02040503050406030204" pitchFamily="18" charset="0"/>
+                <a:cs typeface="Times New Roman" panose="02020603050405020304" pitchFamily="18" charset="0"/>
+              </a:rPr>
+              <a:t/>
+            </a:r>
             <a:br>
               <a:rPr lang="en-US" dirty="0">
                 <a:latin typeface="Consolas" panose="020B0609020204030204" pitchFamily="49" charset="0"/>
@@ -9458,6 +9683,14 @@
                 <a:cs typeface="Times New Roman" panose="02020603050405020304" pitchFamily="18" charset="0"/>
               </a:rPr>
             </a:br>
+            <a:r>
+              <a:rPr lang="en-US" dirty="0">
+                <a:latin typeface="Consolas" panose="020B0609020204030204" pitchFamily="49" charset="0"/>
+                <a:ea typeface="Cambria" panose="02040503050406030204" pitchFamily="18" charset="0"/>
+                <a:cs typeface="Times New Roman" panose="02020603050405020304" pitchFamily="18" charset="0"/>
+              </a:rPr>
+              <a:t/>
+            </a:r>
             <a:br>
               <a:rPr lang="en-US" dirty="0">
                 <a:latin typeface="Consolas" panose="020B0609020204030204" pitchFamily="49" charset="0"/>
@@ -9654,6 +9887,13 @@
   <p:clrMapOvr>
     <a:masterClrMapping/>
   </p:clrMapOvr>
+  <p:timing>
+    <p:tnLst>
+      <p:par>
+        <p:cTn id="1" dur="indefinite" restart="never" nodeType="tmRoot"/>
+      </p:par>
+    </p:tnLst>
+  </p:timing>
 </p:sld>
 </file>
 
@@ -9855,6 +10095,14 @@
               </a:rPr>
               <a:t>))  </a:t>
             </a:r>
+            <a:r>
+              <a:rPr lang="en-US" dirty="0">
+                <a:latin typeface="Cambria" panose="02040503050406030204" pitchFamily="18" charset="0"/>
+                <a:ea typeface="Cambria" panose="02040503050406030204" pitchFamily="18" charset="0"/>
+                <a:cs typeface="Times New Roman" panose="02020603050405020304" pitchFamily="18" charset="0"/>
+              </a:rPr>
+              <a:t/>
+            </a:r>
             <a:br>
               <a:rPr lang="en-US" dirty="0">
                 <a:latin typeface="Cambria" panose="02040503050406030204" pitchFamily="18" charset="0"/>
@@ -9927,6 +10175,14 @@
               </a:rPr>
               <a:t> np.inf</a:t>
             </a:r>
+            <a:r>
+              <a:rPr lang="en-US" dirty="0">
+                <a:latin typeface="Cambria" panose="02040503050406030204" pitchFamily="18" charset="0"/>
+                <a:ea typeface="Cambria" panose="02040503050406030204" pitchFamily="18" charset="0"/>
+                <a:cs typeface="Times New Roman" panose="02020603050405020304" pitchFamily="18" charset="0"/>
+              </a:rPr>
+              <a:t/>
+            </a:r>
             <a:br>
               <a:rPr lang="en-US" dirty="0">
                 <a:latin typeface="Cambria" panose="02040503050406030204" pitchFamily="18" charset="0"/>
@@ -9999,6 +10255,14 @@
               </a:rPr>
               <a:t> np.inf</a:t>
             </a:r>
+            <a:r>
+              <a:rPr lang="en-US" dirty="0">
+                <a:latin typeface="Cambria" panose="02040503050406030204" pitchFamily="18" charset="0"/>
+                <a:ea typeface="Cambria" panose="02040503050406030204" pitchFamily="18" charset="0"/>
+                <a:cs typeface="Times New Roman" panose="02020603050405020304" pitchFamily="18" charset="0"/>
+              </a:rPr>
+              <a:t/>
+            </a:r>
             <a:br>
               <a:rPr lang="en-US" dirty="0">
                 <a:latin typeface="Cambria" panose="02040503050406030204" pitchFamily="18" charset="0"/>
@@ -10079,6 +10343,14 @@
               </a:rPr>
               <a:t>dist_matrix</a:t>
             </a:r>
+            <a:r>
+              <a:rPr lang="en-US" dirty="0">
+                <a:latin typeface="Cambria" panose="02040503050406030204" pitchFamily="18" charset="0"/>
+                <a:ea typeface="Cambria" panose="02040503050406030204" pitchFamily="18" charset="0"/>
+                <a:cs typeface="Times New Roman" panose="02020603050405020304" pitchFamily="18" charset="0"/>
+              </a:rPr>
+              <a:t/>
+            </a:r>
             <a:br>
               <a:rPr lang="en-US" dirty="0">
                 <a:latin typeface="Cambria" panose="02040503050406030204" pitchFamily="18" charset="0"/>
@@ -10094,6 +10366,14 @@
               </a:rPr>
               <a:t> </a:t>
             </a:r>
+            <a:r>
+              <a:rPr lang="en-US" dirty="0">
+                <a:latin typeface="Cambria" panose="02040503050406030204" pitchFamily="18" charset="0"/>
+                <a:ea typeface="Cambria" panose="02040503050406030204" pitchFamily="18" charset="0"/>
+                <a:cs typeface="Times New Roman" panose="02020603050405020304" pitchFamily="18" charset="0"/>
+              </a:rPr>
+              <a:t/>
+            </a:r>
             <a:br>
               <a:rPr lang="en-US" dirty="0">
                 <a:latin typeface="Cambria" panose="02040503050406030204" pitchFamily="18" charset="0"/>
@@ -10204,6 +10484,14 @@
               </a:rPr>
               <a:t>):</a:t>
             </a:r>
+            <a:r>
+              <a:rPr lang="en-US" dirty="0">
+                <a:latin typeface="Cambria" panose="02040503050406030204" pitchFamily="18" charset="0"/>
+                <a:ea typeface="Cambria" panose="02040503050406030204" pitchFamily="18" charset="0"/>
+                <a:cs typeface="Times New Roman" panose="02020603050405020304" pitchFamily="18" charset="0"/>
+              </a:rPr>
+              <a:t/>
+            </a:r>
             <a:br>
               <a:rPr lang="en-US" dirty="0">
                 <a:latin typeface="Cambria" panose="02040503050406030204" pitchFamily="18" charset="0"/>
@@ -10306,6 +10594,14 @@
               </a:rPr>
               <a:t>):</a:t>
             </a:r>
+            <a:r>
+              <a:rPr lang="en-US" dirty="0">
+                <a:latin typeface="Cambria" panose="02040503050406030204" pitchFamily="18" charset="0"/>
+                <a:ea typeface="Cambria" panose="02040503050406030204" pitchFamily="18" charset="0"/>
+                <a:cs typeface="Times New Roman" panose="02020603050405020304" pitchFamily="18" charset="0"/>
+              </a:rPr>
+              <a:t/>
+            </a:r>
             <a:br>
               <a:rPr lang="en-US" dirty="0">
                 <a:latin typeface="Cambria" panose="02040503050406030204" pitchFamily="18" charset="0"/>
@@ -10510,6 +10806,14 @@
                 <a:cs typeface="Times New Roman" panose="02020603050405020304" pitchFamily="18" charset="0"/>
               </a:rPr>
               <a:t>])</a:t>
+            </a:r>
+            <a:r>
+              <a:rPr lang="en-US" dirty="0">
+                <a:latin typeface="Cambria" panose="02040503050406030204" pitchFamily="18" charset="0"/>
+                <a:ea typeface="Cambria" panose="02040503050406030204" pitchFamily="18" charset="0"/>
+                <a:cs typeface="Times New Roman" panose="02020603050405020304" pitchFamily="18" charset="0"/>
+              </a:rPr>
+              <a:t/>
             </a:r>
             <a:br>
               <a:rPr lang="en-US" dirty="0">
@@ -10636,6 +10940,14 @@
               </a:rPr>
               <a:t>)</a:t>
             </a:r>
+            <a:r>
+              <a:rPr lang="en-US" sz="2000" dirty="0">
+                <a:latin typeface="Cambria" panose="02040503050406030204" pitchFamily="18" charset="0"/>
+                <a:ea typeface="Cambria" panose="02040503050406030204" pitchFamily="18" charset="0"/>
+                <a:cs typeface="Times New Roman" panose="02020603050405020304" pitchFamily="18" charset="0"/>
+              </a:rPr>
+              <a:t/>
+            </a:r>
             <a:br>
               <a:rPr lang="en-US" sz="2000" dirty="0">
                 <a:latin typeface="Cambria" panose="02040503050406030204" pitchFamily="18" charset="0"/>
@@ -10727,6 +11039,14 @@
               </a:rPr>
               <a:t>) </a:t>
             </a:r>
+            <a:r>
+              <a:rPr lang="en-US" sz="2000" dirty="0">
+                <a:latin typeface="Cambria" panose="02040503050406030204" pitchFamily="18" charset="0"/>
+                <a:ea typeface="Cambria" panose="02040503050406030204" pitchFamily="18" charset="0"/>
+                <a:cs typeface="Times New Roman" panose="02020603050405020304" pitchFamily="18" charset="0"/>
+              </a:rPr>
+              <a:t/>
+            </a:r>
             <a:br>
               <a:rPr lang="en-US" sz="2000" dirty="0">
                 <a:latin typeface="Cambria" panose="02040503050406030204" pitchFamily="18" charset="0"/>
@@ -10761,6 +11081,14 @@
               </a:rPr>
               <a:t>)</a:t>
             </a:r>
+            <a:r>
+              <a:rPr lang="en-US" sz="2000" dirty="0">
+                <a:latin typeface="Cambria" panose="02040503050406030204" pitchFamily="18" charset="0"/>
+                <a:ea typeface="Cambria" panose="02040503050406030204" pitchFamily="18" charset="0"/>
+                <a:cs typeface="Times New Roman" panose="02020603050405020304" pitchFamily="18" charset="0"/>
+              </a:rPr>
+              <a:t/>
+            </a:r>
             <a:br>
               <a:rPr lang="en-US" sz="2000" dirty="0">
                 <a:latin typeface="Cambria" panose="02040503050406030204" pitchFamily="18" charset="0"/>
@@ -10957,6 +11285,14 @@
               </a:rPr>
               <a:t>)</a:t>
             </a:r>
+            <a:r>
+              <a:rPr lang="en-US" sz="2000" dirty="0">
+                <a:latin typeface="Cambria" panose="02040503050406030204" pitchFamily="18" charset="0"/>
+                <a:ea typeface="Cambria" panose="02040503050406030204" pitchFamily="18" charset="0"/>
+                <a:cs typeface="Times New Roman" panose="02020603050405020304" pitchFamily="18" charset="0"/>
+              </a:rPr>
+              <a:t/>
+            </a:r>
             <a:br>
               <a:rPr lang="en-US" sz="2000" dirty="0">
                 <a:latin typeface="Cambria" panose="02040503050406030204" pitchFamily="18" charset="0"/>
@@ -11244,6 +11580,14 @@
                 <a:cs typeface="Times New Roman" panose="02020603050405020304" pitchFamily="18" charset="0"/>
               </a:rPr>
               <a:t>)</a:t>
+            </a:r>
+            <a:r>
+              <a:rPr lang="en-US" sz="2000" dirty="0">
+                <a:latin typeface="Cambria" panose="02040503050406030204" pitchFamily="18" charset="0"/>
+                <a:ea typeface="Cambria" panose="02040503050406030204" pitchFamily="18" charset="0"/>
+                <a:cs typeface="Times New Roman" panose="02020603050405020304" pitchFamily="18" charset="0"/>
+              </a:rPr>
+              <a:t/>
             </a:r>
             <a:br>
               <a:rPr lang="en-US" sz="2000" dirty="0">
@@ -11325,6 +11669,14 @@
               </a:rPr>
               <a:t> </a:t>
             </a:r>
+            <a:r>
+              <a:rPr lang="en-US" sz="1600" dirty="0">
+                <a:latin typeface="Cambria" panose="02040503050406030204" pitchFamily="18" charset="0"/>
+                <a:ea typeface="Cambria" panose="02040503050406030204" pitchFamily="18" charset="0"/>
+                <a:cs typeface="Times New Roman" panose="02020603050405020304" pitchFamily="18" charset="0"/>
+              </a:rPr>
+              <a:t/>
+            </a:r>
             <a:br>
               <a:rPr lang="en-US" sz="1600" dirty="0">
                 <a:latin typeface="Cambria" panose="02040503050406030204" pitchFamily="18" charset="0"/>
@@ -11484,6 +11836,14 @@
               </a:rPr>
               <a:t>]</a:t>
             </a:r>
+            <a:r>
+              <a:rPr lang="en-US" sz="1600" dirty="0">
+                <a:latin typeface="Cambria" panose="02040503050406030204" pitchFamily="18" charset="0"/>
+                <a:ea typeface="Cambria" panose="02040503050406030204" pitchFamily="18" charset="0"/>
+                <a:cs typeface="Times New Roman" panose="02020603050405020304" pitchFamily="18" charset="0"/>
+              </a:rPr>
+              <a:t/>
+            </a:r>
             <a:br>
               <a:rPr lang="en-US" sz="1600" dirty="0">
                 <a:latin typeface="Cambria" panose="02040503050406030204" pitchFamily="18" charset="0"/>
@@ -11515,6 +11875,14 @@
               </a:rPr>
               <a:t>  0.     0.     0.     0.01   1.35   4.633  7.916  9.257  9.257]</a:t>
             </a:r>
+            <a:r>
+              <a:rPr lang="en-US" sz="1600" dirty="0">
+                <a:latin typeface="Cambria" panose="02040503050406030204" pitchFamily="18" charset="0"/>
+                <a:ea typeface="Cambria" panose="02040503050406030204" pitchFamily="18" charset="0"/>
+                <a:cs typeface="Times New Roman" panose="02020603050405020304" pitchFamily="18" charset="0"/>
+              </a:rPr>
+              <a:t/>
+            </a:r>
             <a:br>
               <a:rPr lang="en-US" sz="1600" dirty="0">
                 <a:latin typeface="Cambria" panose="02040503050406030204" pitchFamily="18" charset="0"/>
@@ -11546,6 +11914,14 @@
               </a:rPr>
               <a:t>  0.585  0.585  0.585  0.442  0.164  1.259  2.354  2.508  3.094]</a:t>
             </a:r>
+            <a:r>
+              <a:rPr lang="en-US" sz="1600" dirty="0">
+                <a:latin typeface="Cambria" panose="02040503050406030204" pitchFamily="18" charset="0"/>
+                <a:ea typeface="Cambria" panose="02040503050406030204" pitchFamily="18" charset="0"/>
+                <a:cs typeface="Times New Roman" panose="02020603050405020304" pitchFamily="18" charset="0"/>
+              </a:rPr>
+              <a:t/>
+            </a:r>
             <a:br>
               <a:rPr lang="en-US" sz="1600" dirty="0">
                 <a:latin typeface="Cambria" panose="02040503050406030204" pitchFamily="18" charset="0"/>
@@ -11577,6 +11953,14 @@
               </a:rPr>
               <a:t>  3.493  3.493  3.493  3.019  0.463  0.175  0.186  0.486  3.394]</a:t>
             </a:r>
+            <a:r>
+              <a:rPr lang="en-US" sz="1600" dirty="0">
+                <a:latin typeface="Cambria" panose="02040503050406030204" pitchFamily="18" charset="0"/>
+                <a:ea typeface="Cambria" panose="02040503050406030204" pitchFamily="18" charset="0"/>
+                <a:cs typeface="Times New Roman" panose="02020603050405020304" pitchFamily="18" charset="0"/>
+              </a:rPr>
+              <a:t/>
+            </a:r>
             <a:br>
               <a:rPr lang="en-US" sz="1600" dirty="0">
                 <a:latin typeface="Cambria" panose="02040503050406030204" pitchFamily="18" charset="0"/>
@@ -11608,6 +11992,14 @@
               </a:rPr>
               <a:t>  7.469  7.469  7.469  6.606  1.162  0.208  0.208  0.885  4.461]</a:t>
             </a:r>
+            <a:r>
+              <a:rPr lang="en-US" sz="1600" dirty="0">
+                <a:latin typeface="Cambria" panose="02040503050406030204" pitchFamily="18" charset="0"/>
+                <a:ea typeface="Cambria" panose="02040503050406030204" pitchFamily="18" charset="0"/>
+                <a:cs typeface="Times New Roman" panose="02020603050405020304" pitchFamily="18" charset="0"/>
+              </a:rPr>
+              <a:t/>
+            </a:r>
             <a:br>
               <a:rPr lang="en-US" sz="1600" dirty="0">
                 <a:latin typeface="Cambria" panose="02040503050406030204" pitchFamily="18" charset="0"/>
@@ -11639,6 +12031,14 @@
               </a:rPr>
               <a:t>  9.782  9.782  9.782  8.624  1.293  0.293  0.293  0.34   2.653]</a:t>
             </a:r>
+            <a:r>
+              <a:rPr lang="en-US" sz="1600" dirty="0">
+                <a:latin typeface="Cambria" panose="02040503050406030204" pitchFamily="18" charset="0"/>
+                <a:ea typeface="Cambria" panose="02040503050406030204" pitchFamily="18" charset="0"/>
+                <a:cs typeface="Times New Roman" panose="02020603050405020304" pitchFamily="18" charset="0"/>
+              </a:rPr>
+              <a:t/>
+            </a:r>
             <a:br>
               <a:rPr lang="en-US" sz="1600" dirty="0">
                 <a:latin typeface="Cambria" panose="02040503050406030204" pitchFamily="18" charset="0"/>
@@ -11670,6 +12070,14 @@
               </a:rPr>
               <a:t> 10.    10.    10.     8.759  1.771  2.102  2.102  0.771  0.558]</a:t>
             </a:r>
+            <a:r>
+              <a:rPr lang="en-US" sz="1600" dirty="0">
+                <a:latin typeface="Cambria" panose="02040503050406030204" pitchFamily="18" charset="0"/>
+                <a:ea typeface="Cambria" panose="02040503050406030204" pitchFamily="18" charset="0"/>
+                <a:cs typeface="Times New Roman" panose="02020603050405020304" pitchFamily="18" charset="0"/>
+              </a:rPr>
+              <a:t/>
+            </a:r>
             <a:br>
               <a:rPr lang="en-US" sz="1600" dirty="0">
                 <a:latin typeface="Cambria" panose="02040503050406030204" pitchFamily="18" charset="0"/>
@@ -11701,6 +12109,14 @@
               </a:rPr>
               <a:t> 10.    10.    10.     8.769  3.112  5.054  5.385  2.112  0.558]</a:t>
             </a:r>
+            <a:r>
+              <a:rPr lang="en-US" sz="1600" dirty="0">
+                <a:latin typeface="Cambria" panose="02040503050406030204" pitchFamily="18" charset="0"/>
+                <a:ea typeface="Cambria" panose="02040503050406030204" pitchFamily="18" charset="0"/>
+                <a:cs typeface="Times New Roman" panose="02020603050405020304" pitchFamily="18" charset="0"/>
+              </a:rPr>
+              <a:t/>
+            </a:r>
             <a:br>
               <a:rPr lang="en-US" sz="1600" dirty="0">
                 <a:latin typeface="Cambria" panose="02040503050406030204" pitchFamily="18" charset="0"/>
@@ -11731,6 +12147,14 @@
                 <a:cs typeface="Times New Roman" panose="02020603050405020304" pitchFamily="18" charset="0"/>
               </a:rPr>
               <a:t> 10.    10.    10.     8.779  4.453  6.395  8.337  3.453  0.558]</a:t>
+            </a:r>
+            <a:r>
+              <a:rPr lang="en-US" sz="1600" dirty="0">
+                <a:latin typeface="Cambria" panose="02040503050406030204" pitchFamily="18" charset="0"/>
+                <a:ea typeface="Cambria" panose="02040503050406030204" pitchFamily="18" charset="0"/>
+                <a:cs typeface="Times New Roman" panose="02020603050405020304" pitchFamily="18" charset="0"/>
+              </a:rPr>
+              <a:t/>
             </a:r>
             <a:br>
               <a:rPr lang="en-US" sz="1600" dirty="0">
@@ -12031,6 +12455,13 @@
   <p:clrMapOvr>
     <a:masterClrMapping/>
   </p:clrMapOvr>
+  <p:timing>
+    <p:tnLst>
+      <p:par>
+        <p:cTn id="1" dur="indefinite" restart="never" nodeType="tmRoot"/>
+      </p:par>
+    </p:tnLst>
+  </p:timing>
 </p:sld>
 </file>
 
@@ -12581,6 +13012,13 @@
   <p:clrMapOvr>
     <a:masterClrMapping/>
   </p:clrMapOvr>
+  <p:timing>
+    <p:tnLst>
+      <p:par>
+        <p:cTn id="1" dur="indefinite" restart="never" nodeType="tmRoot"/>
+      </p:par>
+    </p:tnLst>
+  </p:timing>
 </p:sld>
 </file>
 
@@ -12863,6 +13301,14 @@
             <a:r>
               <a:rPr lang="ru-RU" altLang="ru-RU" sz="1400" dirty="0"/>
               <a:t> </a:t>
+            </a:r>
+            <a:r>
+              <a:rPr lang="ru-RU" dirty="0">
+                <a:latin typeface="Consolas" panose="020B0609020204030204" pitchFamily="49" charset="0"/>
+                <a:ea typeface="Cambria" panose="02040503050406030204" pitchFamily="18" charset="0"/>
+                <a:cs typeface="Times New Roman" panose="02020603050405020304" pitchFamily="18" charset="0"/>
+              </a:rPr>
+              <a:t/>
             </a:r>
             <a:br>
               <a:rPr lang="ru-RU" dirty="0">
@@ -13482,6 +13928,13 @@
   <p:clrMapOvr>
     <a:masterClrMapping/>
   </p:clrMapOvr>
+  <p:timing>
+    <p:tnLst>
+      <p:par>
+        <p:cTn id="1" dur="indefinite" restart="never" nodeType="tmRoot"/>
+      </p:par>
+    </p:tnLst>
+  </p:timing>
 </p:sld>
 </file>
 
@@ -14261,6 +14714,13 @@
   <p:clrMapOvr>
     <a:masterClrMapping/>
   </p:clrMapOvr>
+  <p:timing>
+    <p:tnLst>
+      <p:par>
+        <p:cTn id="1" dur="indefinite" restart="never" nodeType="tmRoot"/>
+      </p:par>
+    </p:tnLst>
+  </p:timing>
 </p:sld>
 </file>
 
@@ -14443,6 +14903,13 @@
   <p:clrMapOvr>
     <a:masterClrMapping/>
   </p:clrMapOvr>
+  <p:timing>
+    <p:tnLst>
+      <p:par>
+        <p:cTn id="1" dur="indefinite" restart="never" nodeType="tmRoot"/>
+      </p:par>
+    </p:tnLst>
+  </p:timing>
 </p:sld>
 </file>
 
@@ -14572,12 +15039,20 @@
               <a:rPr lang="ru-RU" sz="2200" dirty="0"/>
               <a:t>Однако процедура поиска лучшего участка</a:t>
             </a:r>
+            <a:r>
+              <a:rPr lang="en-US" sz="2200" dirty="0"/>
+              <a:t/>
+            </a:r>
             <a:br>
               <a:rPr lang="en-US" sz="2200" dirty="0"/>
             </a:br>
             <a:r>
               <a:rPr lang="ru-RU" sz="2200" dirty="0"/>
               <a:t>ряда может стать отдельной и </a:t>
+            </a:r>
+            <a:r>
+              <a:rPr lang="en-US" sz="2200" dirty="0"/>
+              <a:t/>
             </a:r>
             <a:br>
               <a:rPr lang="en-US" sz="2200" dirty="0"/>
@@ -14659,6 +15134,13 @@
   <p:clrMapOvr>
     <a:masterClrMapping/>
   </p:clrMapOvr>
+  <p:timing>
+    <p:tnLst>
+      <p:par>
+        <p:cTn id="1" dur="indefinite" restart="never" nodeType="tmRoot"/>
+      </p:par>
+    </p:tnLst>
+  </p:timing>
 </p:sld>
 </file>
 
@@ -14909,6 +15391,13 @@
   <p:clrMapOvr>
     <a:masterClrMapping/>
   </p:clrMapOvr>
+  <p:timing>
+    <p:tnLst>
+      <p:par>
+        <p:cTn id="1" dur="indefinite" restart="never" nodeType="tmRoot"/>
+      </p:par>
+    </p:tnLst>
+  </p:timing>
 </p:sld>
 </file>
 
@@ -15099,6 +15588,13 @@
   <p:clrMapOvr>
     <a:masterClrMapping/>
   </p:clrMapOvr>
+  <p:timing>
+    <p:tnLst>
+      <p:par>
+        <p:cTn id="1" dur="indefinite" restart="never" nodeType="tmRoot"/>
+      </p:par>
+    </p:tnLst>
+  </p:timing>
 </p:sld>
 </file>
 
@@ -15296,6 +15792,13 @@
   <p:clrMapOvr>
     <a:masterClrMapping/>
   </p:clrMapOvr>
+  <p:timing>
+    <p:tnLst>
+      <p:par>
+        <p:cTn id="1" dur="indefinite" restart="never" nodeType="tmRoot"/>
+      </p:par>
+    </p:tnLst>
+  </p:timing>
 </p:sld>
 </file>
 
@@ -15959,6 +16462,13 @@
   <p:clrMapOvr>
     <a:masterClrMapping/>
   </p:clrMapOvr>
+  <p:timing>
+    <p:tnLst>
+      <p:par>
+        <p:cTn id="1" dur="indefinite" restart="never" nodeType="tmRoot"/>
+      </p:par>
+    </p:tnLst>
+  </p:timing>
 </p:sld>
 </file>
 
@@ -16157,6 +16667,13 @@
   <p:clrMapOvr>
     <a:masterClrMapping/>
   </p:clrMapOvr>
+  <p:timing>
+    <p:tnLst>
+      <p:par>
+        <p:cTn id="1" dur="indefinite" restart="never" nodeType="tmRoot"/>
+      </p:par>
+    </p:tnLst>
+  </p:timing>
 </p:sld>
 </file>
 
@@ -16353,6 +16870,13 @@
   <p:clrMapOvr>
     <a:masterClrMapping/>
   </p:clrMapOvr>
+  <p:timing>
+    <p:tnLst>
+      <p:par>
+        <p:cTn id="1" dur="indefinite" restart="never" nodeType="tmRoot"/>
+      </p:par>
+    </p:tnLst>
+  </p:timing>
 </p:sld>
 </file>
 
@@ -16876,6 +17400,13 @@
   <p:clrMapOvr>
     <a:masterClrMapping/>
   </p:clrMapOvr>
+  <p:timing>
+    <p:tnLst>
+      <p:par>
+        <p:cTn id="1" dur="indefinite" restart="never" nodeType="tmRoot"/>
+      </p:par>
+    </p:tnLst>
+  </p:timing>
 </p:sld>
 </file>
 
@@ -17113,6 +17644,13 @@
   <p:clrMapOvr>
     <a:masterClrMapping/>
   </p:clrMapOvr>
+  <p:timing>
+    <p:tnLst>
+      <p:par>
+        <p:cTn id="1" dur="indefinite" restart="never" nodeType="tmRoot"/>
+      </p:par>
+    </p:tnLst>
+  </p:timing>
 </p:sld>
 </file>
 
@@ -17386,6 +17924,13 @@
   <p:clrMapOvr>
     <a:masterClrMapping/>
   </p:clrMapOvr>
+  <p:timing>
+    <p:tnLst>
+      <p:par>
+        <p:cTn id="1" dur="indefinite" restart="never" nodeType="tmRoot"/>
+      </p:par>
+    </p:tnLst>
+  </p:timing>
 </p:sld>
 </file>
 
@@ -17554,828 +18099,13 @@
   <p:clrMapOvr>
     <a:masterClrMapping/>
   </p:clrMapOvr>
-</p:sld>
-</file>
-
-<file path=ppt/slides/slide33.xml><?xml version="1.0" encoding="utf-8"?>
-<p:sld xmlns:a="http://schemas.openxmlformats.org/drawingml/2006/main" xmlns:r="http://schemas.openxmlformats.org/officeDocument/2006/relationships" xmlns:p="http://schemas.openxmlformats.org/presentationml/2006/main">
-  <p:cSld>
-    <p:spTree>
-      <p:nvGrpSpPr>
-        <p:cNvPr id="1" name=""/>
-        <p:cNvGrpSpPr/>
-        <p:nvPr/>
-      </p:nvGrpSpPr>
-      <p:grpSpPr>
-        <a:xfrm>
-          <a:off x="0" y="0"/>
-          <a:ext cx="0" cy="0"/>
-          <a:chOff x="0" y="0"/>
-          <a:chExt cx="0" cy="0"/>
-        </a:xfrm>
-      </p:grpSpPr>
-      <p:sp>
-        <p:nvSpPr>
-          <p:cNvPr id="2" name="Заголовок 1">
-            <a:extLst>
-              <a:ext uri="{FF2B5EF4-FFF2-40B4-BE49-F238E27FC236}">
-                <a16:creationId xmlns:a16="http://schemas.microsoft.com/office/drawing/2014/main" id="{E5E18C16-493F-C0F6-1226-B953C44BB2B9}"/>
-              </a:ext>
-            </a:extLst>
-          </p:cNvPr>
-          <p:cNvSpPr>
-            <a:spLocks noGrp="1"/>
-          </p:cNvSpPr>
-          <p:nvPr>
-            <p:ph type="title"/>
-          </p:nvPr>
-        </p:nvSpPr>
-        <p:spPr>
-          <a:xfrm>
-            <a:off x="425824" y="0"/>
-            <a:ext cx="10515600" cy="1325563"/>
-          </a:xfrm>
-        </p:spPr>
-        <p:txBody>
-          <a:bodyPr>
-            <a:normAutofit/>
-          </a:bodyPr>
-          <a:lstStyle/>
-          <a:p>
-            <a:r>
-              <a:rPr lang="ru-RU" sz="4800" b="1" dirty="0"/>
-              <a:t>Вопросы Базовые 1й верно</a:t>
-            </a:r>
-          </a:p>
-        </p:txBody>
-      </p:sp>
-      <p:sp>
-        <p:nvSpPr>
-          <p:cNvPr id="3" name="Объект 2">
-            <a:extLst>
-              <a:ext uri="{FF2B5EF4-FFF2-40B4-BE49-F238E27FC236}">
-                <a16:creationId xmlns:a16="http://schemas.microsoft.com/office/drawing/2014/main" id="{BE421393-E6D9-4C04-F323-217F01E33B93}"/>
-              </a:ext>
-            </a:extLst>
-          </p:cNvPr>
-          <p:cNvSpPr>
-            <a:spLocks noGrp="1"/>
-          </p:cNvSpPr>
-          <p:nvPr>
-            <p:ph idx="1"/>
-          </p:nvPr>
-        </p:nvSpPr>
-        <p:spPr>
-          <a:xfrm>
-            <a:off x="506506" y="1129096"/>
-            <a:ext cx="10515600" cy="5728904"/>
-          </a:xfrm>
-        </p:spPr>
-        <p:txBody>
-          <a:bodyPr>
-            <a:normAutofit fontScale="77500" lnSpcReduction="20000"/>
-          </a:bodyPr>
-          <a:lstStyle/>
-          <a:p>
-            <a:r>
-              <a:rPr lang="ru-RU" sz="2300" b="1" dirty="0">
-                <a:ea typeface="Calibri" panose="020F0502020204030204" pitchFamily="34" charset="0"/>
-                <a:cs typeface="Times New Roman" panose="02020603050405020304" pitchFamily="18" charset="0"/>
-              </a:rPr>
-              <a:t>К задачам классификации относятся</a:t>
-            </a:r>
-            <a:endParaRPr lang="ru-RU" sz="2300" dirty="0">
-              <a:ea typeface="Calibri" panose="020F0502020204030204" pitchFamily="34" charset="0"/>
-              <a:cs typeface="Times New Roman" panose="02020603050405020304" pitchFamily="18" charset="0"/>
-            </a:endParaRPr>
-          </a:p>
-          <a:p>
-            <a:pPr marL="971550" lvl="2" indent="-514350">
-              <a:spcBef>
-                <a:spcPts val="1000"/>
-              </a:spcBef>
-              <a:buFont typeface="+mj-lt"/>
-              <a:buAutoNum type="arabicPeriod"/>
-            </a:pPr>
-            <a:r>
-              <a:rPr lang="ru-RU" sz="1600" b="1" dirty="0"/>
-              <a:t>Определение соответствия сегмента ВР некоторой группе заранее определенных примеров </a:t>
-            </a:r>
-          </a:p>
-          <a:p>
-            <a:pPr marL="971550" lvl="2" indent="-514350">
-              <a:spcBef>
-                <a:spcPts val="1000"/>
-              </a:spcBef>
-              <a:buFont typeface="+mj-lt"/>
-              <a:buAutoNum type="arabicPeriod"/>
-            </a:pPr>
-            <a:r>
-              <a:rPr lang="ru-RU" sz="1900" dirty="0">
-                <a:ea typeface="Calibri" panose="020F0502020204030204" pitchFamily="34" charset="0"/>
-                <a:cs typeface="Times New Roman" panose="02020603050405020304" pitchFamily="18" charset="0"/>
-              </a:rPr>
-              <a:t>Поиск точек разделения ВР на сегменты</a:t>
-            </a:r>
-          </a:p>
-          <a:p>
-            <a:pPr marL="971550" lvl="2" indent="-514350">
-              <a:spcBef>
-                <a:spcPts val="1000"/>
-              </a:spcBef>
-              <a:buFont typeface="+mj-lt"/>
-              <a:buAutoNum type="arabicPeriod"/>
-            </a:pPr>
-            <a:r>
-              <a:rPr lang="ru-RU" sz="2000" dirty="0"/>
-              <a:t>Предсказание будущих значений для каждого сегмента ВР</a:t>
-            </a:r>
-          </a:p>
-          <a:p>
-            <a:pPr marL="971550" lvl="2" indent="-514350">
-              <a:spcBef>
-                <a:spcPts val="1000"/>
-              </a:spcBef>
-              <a:buFont typeface="+mj-lt"/>
-              <a:buAutoNum type="arabicPeriod"/>
-            </a:pPr>
-            <a:r>
-              <a:rPr lang="ru-RU" sz="2000" dirty="0">
-                <a:ea typeface="Calibri" panose="020F0502020204030204" pitchFamily="34" charset="0"/>
-                <a:cs typeface="Times New Roman" panose="02020603050405020304" pitchFamily="18" charset="0"/>
-              </a:rPr>
-              <a:t>Сокращение размерности каждого сегмента ВР</a:t>
-            </a:r>
-          </a:p>
-          <a:p>
-            <a:r>
-              <a:rPr lang="ru-RU" dirty="0"/>
-              <a:t>Метод классификации </a:t>
-            </a:r>
-            <a:r>
-              <a:rPr lang="en-US" dirty="0" err="1"/>
-              <a:t>knn-dtw</a:t>
-            </a:r>
-            <a:r>
-              <a:rPr lang="en-US" dirty="0"/>
-              <a:t> </a:t>
-            </a:r>
-            <a:r>
-              <a:rPr lang="ru-RU" dirty="0"/>
-              <a:t>для сегментов ВР решает задачу:</a:t>
-            </a:r>
-            <a:endParaRPr lang="ru-RU" sz="3600" dirty="0"/>
-          </a:p>
-          <a:p>
-            <a:pPr marL="1428750" lvl="2" indent="-514350">
-              <a:buFont typeface="+mj-lt"/>
-              <a:buAutoNum type="arabicPeriod"/>
-            </a:pPr>
-            <a:r>
-              <a:rPr lang="ru-RU" b="1" dirty="0"/>
-              <a:t>Схожести по форме  </a:t>
-            </a:r>
-            <a:endParaRPr lang="ru-RU" sz="2800" b="1" dirty="0"/>
-          </a:p>
-          <a:p>
-            <a:pPr marL="1428750" lvl="2" indent="-514350">
-              <a:buFont typeface="+mj-lt"/>
-              <a:buAutoNum type="arabicPeriod"/>
-            </a:pPr>
-            <a:r>
-              <a:rPr lang="ru-RU" dirty="0"/>
-              <a:t>Схожести по временному поведению</a:t>
-            </a:r>
-            <a:endParaRPr lang="ru-RU" sz="2800" dirty="0"/>
-          </a:p>
-          <a:p>
-            <a:pPr marL="1428750" lvl="2" indent="-514350">
-              <a:buFont typeface="+mj-lt"/>
-              <a:buAutoNum type="arabicPeriod"/>
-            </a:pPr>
-            <a:r>
-              <a:rPr lang="ru-RU" dirty="0"/>
-              <a:t>Схожести по частотному поведению</a:t>
-            </a:r>
-          </a:p>
-          <a:p>
-            <a:pPr marL="1428750" lvl="2" indent="-514350">
-              <a:buFont typeface="+mj-lt"/>
-              <a:buAutoNum type="arabicPeriod"/>
-            </a:pPr>
-            <a:r>
-              <a:rPr lang="ru-RU" dirty="0"/>
-              <a:t>Схожести частоте повторяемости паттерна</a:t>
-            </a:r>
-          </a:p>
-          <a:p>
-            <a:r>
-              <a:rPr lang="ru-RU" dirty="0"/>
-              <a:t>Пусть есть задача определить наличие сезонности заданного периода с конкретными параметрами, какой метод подойдет:</a:t>
-            </a:r>
-            <a:endParaRPr lang="ru-RU" sz="2400" dirty="0"/>
-          </a:p>
-          <a:p>
-            <a:pPr marL="914400" lvl="1" indent="-457200">
-              <a:buFont typeface="+mj-lt"/>
-              <a:buAutoNum type="arabicPeriod"/>
-            </a:pPr>
-            <a:r>
-              <a:rPr lang="ru-RU" sz="2200" b="1" dirty="0"/>
-              <a:t>схожесть в частотном поведении</a:t>
-            </a:r>
-            <a:r>
-              <a:rPr lang="ru-RU" sz="2200" dirty="0"/>
-              <a:t>.</a:t>
-            </a:r>
-            <a:endParaRPr lang="ru-RU" sz="3000" dirty="0"/>
-          </a:p>
-          <a:p>
-            <a:pPr marL="914400" lvl="1" indent="-457200">
-              <a:buFont typeface="+mj-lt"/>
-              <a:buAutoNum type="arabicPeriod"/>
-            </a:pPr>
-            <a:r>
-              <a:rPr lang="ru-RU" sz="2200" dirty="0"/>
-              <a:t>схожесть во временном поведении.</a:t>
-            </a:r>
-            <a:endParaRPr lang="ru-RU" sz="3000" dirty="0"/>
-          </a:p>
-          <a:p>
-            <a:pPr marL="914400" lvl="1" indent="-457200">
-              <a:buFont typeface="+mj-lt"/>
-              <a:buAutoNum type="arabicPeriod"/>
-            </a:pPr>
-            <a:r>
-              <a:rPr lang="ru-RU" sz="2200" dirty="0"/>
-              <a:t>схожесть по форме </a:t>
-            </a:r>
-            <a:endParaRPr lang="ru-RU" sz="3000" dirty="0"/>
-          </a:p>
-          <a:p>
-            <a:pPr marL="914400" lvl="1" indent="-457200">
-              <a:buFont typeface="+mj-lt"/>
-              <a:buAutoNum type="arabicPeriod"/>
-            </a:pPr>
-            <a:r>
-              <a:rPr lang="ru-RU" sz="2200" dirty="0"/>
-              <a:t>Все перечисленные методы</a:t>
-            </a:r>
-          </a:p>
-          <a:p>
-            <a:r>
-              <a:rPr lang="ru-RU" dirty="0"/>
-              <a:t>Алгоритмы на основе словарей лучше подходят для оценки:</a:t>
-            </a:r>
-            <a:endParaRPr lang="ru-RU" sz="2400" dirty="0"/>
-          </a:p>
-          <a:p>
-            <a:pPr marL="914400" lvl="1" indent="-457200">
-              <a:buFont typeface="+mj-lt"/>
-              <a:buAutoNum type="arabicPeriod"/>
-            </a:pPr>
-            <a:r>
-              <a:rPr lang="ru-RU" sz="2200" b="1" dirty="0"/>
-              <a:t>Частоты повторения паттерна.</a:t>
-            </a:r>
-            <a:endParaRPr lang="ru-RU" sz="3000" b="1" dirty="0"/>
-          </a:p>
-          <a:p>
-            <a:pPr marL="914400" lvl="1" indent="-457200">
-              <a:buFont typeface="+mj-lt"/>
-              <a:buAutoNum type="arabicPeriod"/>
-            </a:pPr>
-            <a:r>
-              <a:rPr lang="ru-RU" sz="2200" dirty="0"/>
-              <a:t>схожесть в частотном поведении.</a:t>
-            </a:r>
-            <a:endParaRPr lang="ru-RU" sz="3000" dirty="0"/>
-          </a:p>
-          <a:p>
-            <a:pPr marL="914400" lvl="1" indent="-457200">
-              <a:buFont typeface="+mj-lt"/>
-              <a:buAutoNum type="arabicPeriod"/>
-            </a:pPr>
-            <a:r>
-              <a:rPr lang="ru-RU" sz="2200" dirty="0"/>
-              <a:t>схожесть по форме </a:t>
-            </a:r>
-            <a:endParaRPr lang="ru-RU" sz="3000" dirty="0"/>
-          </a:p>
-          <a:p>
-            <a:pPr marL="914400" lvl="1" indent="-457200">
-              <a:buFont typeface="+mj-lt"/>
-              <a:buAutoNum type="arabicPeriod"/>
-            </a:pPr>
-            <a:r>
-              <a:rPr lang="ru-RU" sz="2200" dirty="0"/>
-              <a:t>схожесть во временном поведении</a:t>
-            </a:r>
-            <a:endParaRPr lang="ru-RU" sz="4800" dirty="0"/>
-          </a:p>
-          <a:p>
-            <a:pPr marL="514350" indent="-514350">
-              <a:buFont typeface="+mj-lt"/>
-              <a:buAutoNum type="arabicPeriod"/>
-            </a:pPr>
-            <a:endParaRPr lang="ru-RU" dirty="0">
-              <a:ea typeface="Calibri" panose="020F0502020204030204" pitchFamily="34" charset="0"/>
-              <a:cs typeface="Times New Roman" panose="02020603050405020304" pitchFamily="18" charset="0"/>
-            </a:endParaRPr>
-          </a:p>
-          <a:p>
-            <a:pPr marL="514350" indent="-514350">
-              <a:buFont typeface="+mj-lt"/>
-              <a:buAutoNum type="arabicPeriod"/>
-            </a:pPr>
-            <a:endParaRPr lang="ru-RU" dirty="0">
-              <a:ea typeface="Calibri" panose="020F0502020204030204" pitchFamily="34" charset="0"/>
-              <a:cs typeface="Times New Roman" panose="02020603050405020304" pitchFamily="18" charset="0"/>
-            </a:endParaRPr>
-          </a:p>
-          <a:p>
-            <a:endParaRPr lang="ru-RU" dirty="0"/>
-          </a:p>
-        </p:txBody>
-      </p:sp>
-    </p:spTree>
-    <p:extLst>
-      <p:ext uri="{BB962C8B-B14F-4D97-AF65-F5344CB8AC3E}">
-        <p14:creationId xmlns:p14="http://schemas.microsoft.com/office/powerpoint/2010/main" val="2664987210"/>
-      </p:ext>
-    </p:extLst>
-  </p:cSld>
-  <p:clrMapOvr>
-    <a:masterClrMapping/>
-  </p:clrMapOvr>
-</p:sld>
-</file>
-
-<file path=ppt/slides/slide34.xml><?xml version="1.0" encoding="utf-8"?>
-<p:sld xmlns:a="http://schemas.openxmlformats.org/drawingml/2006/main" xmlns:r="http://schemas.openxmlformats.org/officeDocument/2006/relationships" xmlns:p="http://schemas.openxmlformats.org/presentationml/2006/main">
-  <p:cSld>
-    <p:spTree>
-      <p:nvGrpSpPr>
-        <p:cNvPr id="1" name=""/>
-        <p:cNvGrpSpPr/>
-        <p:nvPr/>
-      </p:nvGrpSpPr>
-      <p:grpSpPr>
-        <a:xfrm>
-          <a:off x="0" y="0"/>
-          <a:ext cx="0" cy="0"/>
-          <a:chOff x="0" y="0"/>
-          <a:chExt cx="0" cy="0"/>
-        </a:xfrm>
-      </p:grpSpPr>
-      <p:sp>
-        <p:nvSpPr>
-          <p:cNvPr id="2" name="Заголовок 1">
-            <a:extLst>
-              <a:ext uri="{FF2B5EF4-FFF2-40B4-BE49-F238E27FC236}">
-                <a16:creationId xmlns:a16="http://schemas.microsoft.com/office/drawing/2014/main" id="{E5E18C16-493F-C0F6-1226-B953C44BB2B9}"/>
-              </a:ext>
-            </a:extLst>
-          </p:cNvPr>
-          <p:cNvSpPr>
-            <a:spLocks noGrp="1"/>
-          </p:cNvSpPr>
-          <p:nvPr>
-            <p:ph type="title"/>
-          </p:nvPr>
-        </p:nvSpPr>
-        <p:spPr>
-          <a:xfrm>
-            <a:off x="398929" y="0"/>
-            <a:ext cx="10515600" cy="1325563"/>
-          </a:xfrm>
-        </p:spPr>
-        <p:txBody>
-          <a:bodyPr>
-            <a:normAutofit/>
-          </a:bodyPr>
-          <a:lstStyle/>
-          <a:p>
-            <a:r>
-              <a:rPr lang="ru-RU" sz="4800" b="1" dirty="0"/>
-              <a:t>Вопросы Продвинутые </a:t>
-            </a:r>
-            <a:r>
-              <a:rPr lang="en-US" sz="4800" b="1" dirty="0"/>
-              <a:t>(X)-</a:t>
-            </a:r>
-            <a:r>
-              <a:rPr lang="ru-RU" sz="4800" b="1" dirty="0"/>
-              <a:t>верно</a:t>
-            </a:r>
-          </a:p>
-        </p:txBody>
-      </p:sp>
-      <p:sp>
-        <p:nvSpPr>
-          <p:cNvPr id="3" name="Объект 2">
-            <a:extLst>
-              <a:ext uri="{FF2B5EF4-FFF2-40B4-BE49-F238E27FC236}">
-                <a16:creationId xmlns:a16="http://schemas.microsoft.com/office/drawing/2014/main" id="{BE421393-E6D9-4C04-F323-217F01E33B93}"/>
-              </a:ext>
-            </a:extLst>
-          </p:cNvPr>
-          <p:cNvSpPr>
-            <a:spLocks noGrp="1"/>
-          </p:cNvSpPr>
-          <p:nvPr>
-            <p:ph idx="1"/>
-          </p:nvPr>
-        </p:nvSpPr>
-        <p:spPr>
-          <a:xfrm>
-            <a:off x="398928" y="1075308"/>
-            <a:ext cx="11551645" cy="5782692"/>
-          </a:xfrm>
-        </p:spPr>
-        <p:txBody>
-          <a:bodyPr>
-            <a:normAutofit fontScale="92500" lnSpcReduction="10000"/>
-          </a:bodyPr>
-          <a:lstStyle/>
-          <a:p>
-            <a:pPr lvl="0"/>
-            <a:r>
-              <a:rPr lang="ru-RU" sz="1400" b="1" dirty="0"/>
-              <a:t>Выберите задачу классификации ВР</a:t>
-            </a:r>
-            <a:endParaRPr lang="ru-RU" sz="1600" b="1" dirty="0">
-              <a:ea typeface="Calibri" panose="020F0502020204030204" pitchFamily="34" charset="0"/>
-              <a:cs typeface="Times New Roman" panose="02020603050405020304" pitchFamily="18" charset="0"/>
-            </a:endParaRPr>
-          </a:p>
-          <a:p>
-            <a:pPr marL="971550" lvl="1" indent="-514350">
-              <a:buFont typeface="+mj-lt"/>
-              <a:buAutoNum type="arabicPeriod"/>
-            </a:pPr>
-            <a:r>
-              <a:rPr lang="ru-RU" sz="1600" dirty="0">
-                <a:cs typeface="Times New Roman" panose="02020603050405020304" pitchFamily="18" charset="0"/>
-              </a:rPr>
-              <a:t>Диагностика сердечных заболеваний по оцифрованной кардиограмме </a:t>
-            </a:r>
-            <a:r>
-              <a:rPr lang="en-US" sz="1600" dirty="0">
-                <a:cs typeface="Times New Roman" panose="02020603050405020304" pitchFamily="18" charset="0"/>
-              </a:rPr>
-              <a:t>(x)</a:t>
-            </a:r>
-            <a:endParaRPr lang="ru-RU" sz="1600" dirty="0">
-              <a:cs typeface="Times New Roman" panose="02020603050405020304" pitchFamily="18" charset="0"/>
-            </a:endParaRPr>
-          </a:p>
-          <a:p>
-            <a:pPr marL="971550" lvl="1" indent="-514350">
-              <a:buFont typeface="+mj-lt"/>
-              <a:buAutoNum type="arabicPeriod"/>
-            </a:pPr>
-            <a:r>
-              <a:rPr lang="ru-RU" sz="1600" dirty="0">
-                <a:cs typeface="Times New Roman" panose="02020603050405020304" pitchFamily="18" charset="0"/>
-              </a:rPr>
-              <a:t>Определение протокола сигнала </a:t>
-            </a:r>
-            <a:r>
-              <a:rPr lang="en-US" sz="1600" dirty="0" err="1">
-                <a:cs typeface="Times New Roman" panose="02020603050405020304" pitchFamily="18" charset="0"/>
-              </a:rPr>
-              <a:t>WiFi</a:t>
-            </a:r>
-            <a:r>
-              <a:rPr lang="en-US" sz="1600" dirty="0">
-                <a:cs typeface="Times New Roman" panose="02020603050405020304" pitchFamily="18" charset="0"/>
-              </a:rPr>
-              <a:t> a-ac </a:t>
-            </a:r>
-            <a:r>
-              <a:rPr lang="ru-RU" sz="1600" dirty="0">
-                <a:cs typeface="Times New Roman" panose="02020603050405020304" pitchFamily="18" charset="0"/>
-              </a:rPr>
-              <a:t>по его записи приемником </a:t>
-            </a:r>
-            <a:r>
-              <a:rPr lang="en-US" sz="1600" b="1" i="0" dirty="0">
-                <a:latin typeface="+mj-lt"/>
-                <a:cs typeface="Times New Roman" panose="02020603050405020304" pitchFamily="18" charset="0"/>
-              </a:rPr>
-              <a:t>(x)</a:t>
-            </a:r>
-            <a:endParaRPr lang="ru-RU" sz="1600" b="1" dirty="0">
-              <a:cs typeface="Times New Roman" panose="02020603050405020304" pitchFamily="18" charset="0"/>
-            </a:endParaRPr>
-          </a:p>
-          <a:p>
-            <a:pPr marL="971550" lvl="1" indent="-514350">
-              <a:buFont typeface="+mj-lt"/>
-              <a:buAutoNum type="arabicPeriod"/>
-            </a:pPr>
-            <a:r>
-              <a:rPr lang="ru-RU" sz="1600" dirty="0">
-                <a:cs typeface="Times New Roman" panose="02020603050405020304" pitchFamily="18" charset="0"/>
-              </a:rPr>
-              <a:t>Определение загрузки </a:t>
-            </a:r>
-            <a:r>
-              <a:rPr lang="ru-RU" sz="1600" dirty="0" err="1">
-                <a:cs typeface="Times New Roman" panose="02020603050405020304" pitchFamily="18" charset="0"/>
-              </a:rPr>
-              <a:t>колл</a:t>
-            </a:r>
-            <a:r>
-              <a:rPr lang="ru-RU" sz="1600" dirty="0">
-                <a:cs typeface="Times New Roman" panose="02020603050405020304" pitchFamily="18" charset="0"/>
-              </a:rPr>
-              <a:t>-центра на 2 дня в перед </a:t>
-            </a:r>
-          </a:p>
-          <a:p>
-            <a:pPr marL="971550" lvl="1" indent="-514350">
-              <a:buFont typeface="+mj-lt"/>
-              <a:buAutoNum type="arabicPeriod"/>
-            </a:pPr>
-            <a:r>
-              <a:rPr lang="ru-RU" sz="1600" dirty="0">
-                <a:cs typeface="Times New Roman" panose="02020603050405020304" pitchFamily="18" charset="0"/>
-              </a:rPr>
-              <a:t>Определение момента выхода из строя уникального оборудовании по его вибрациям  </a:t>
-            </a:r>
-            <a:endParaRPr lang="en-US" sz="1600" dirty="0">
-              <a:cs typeface="Times New Roman" panose="02020603050405020304" pitchFamily="18" charset="0"/>
-            </a:endParaRPr>
-          </a:p>
-          <a:p>
-            <a:pPr marL="971550" lvl="1" indent="-514350">
-              <a:buFont typeface="+mj-lt"/>
-              <a:buAutoNum type="arabicPeriod"/>
-            </a:pPr>
-            <a:r>
-              <a:rPr lang="ru-RU" sz="1600" dirty="0">
-                <a:cs typeface="Times New Roman" panose="02020603050405020304" pitchFamily="18" charset="0"/>
-              </a:rPr>
-              <a:t>Определение класса автомобиля по анкете его характеристик</a:t>
-            </a:r>
-          </a:p>
-          <a:p>
-            <a:pPr marL="457200" lvl="1" indent="-457200"/>
-            <a:r>
-              <a:rPr lang="ru-RU" sz="1900" b="1" dirty="0">
-                <a:ea typeface="Calibri" panose="020F0502020204030204" pitchFamily="34" charset="0"/>
-                <a:cs typeface="Times New Roman" panose="02020603050405020304" pitchFamily="18" charset="0"/>
-              </a:rPr>
-              <a:t>Расставьте соответствие типов задач классификации и их описания. Пусть задача </a:t>
-            </a:r>
-            <a:r>
-              <a:rPr lang="ru-RU" sz="2000" dirty="0"/>
-              <a:t>определить наличие</a:t>
-            </a:r>
-            <a:endParaRPr lang="ru-RU" sz="1900" b="1" dirty="0">
-              <a:ea typeface="Calibri" panose="020F0502020204030204" pitchFamily="34" charset="0"/>
-              <a:cs typeface="Times New Roman" panose="02020603050405020304" pitchFamily="18" charset="0"/>
-            </a:endParaRPr>
-          </a:p>
-          <a:p>
-            <a:pPr marL="914400" lvl="2" indent="-457200">
-              <a:buFont typeface="+mj-lt"/>
-              <a:buAutoNum type="arabicPeriod"/>
-            </a:pPr>
-            <a:r>
-              <a:rPr lang="ru-RU" dirty="0"/>
-              <a:t>Импульса в сегменте  - схожесть по форме </a:t>
-            </a:r>
-          </a:p>
-          <a:p>
-            <a:pPr marL="914400" lvl="2" indent="-457200">
-              <a:buFont typeface="+mj-lt"/>
-              <a:buAutoNum type="arabicPeriod"/>
-            </a:pPr>
-            <a:r>
-              <a:rPr lang="ru-RU" dirty="0"/>
-              <a:t>роста тренда с насыщением и точкой перегиба - схожесть поведения компонент</a:t>
-            </a:r>
-          </a:p>
-          <a:p>
-            <a:pPr marL="914400" lvl="2" indent="-457200">
-              <a:buFont typeface="+mj-lt"/>
-              <a:buAutoNum type="arabicPeriod"/>
-            </a:pPr>
-            <a:r>
-              <a:rPr lang="ru-RU" sz="1600" dirty="0"/>
-              <a:t>Двух сезонностей известных периодов - </a:t>
-            </a:r>
-            <a:r>
-              <a:rPr lang="en-US" sz="1600" dirty="0" err="1"/>
-              <a:t>схожесть</a:t>
-            </a:r>
-            <a:r>
-              <a:rPr lang="en-US" sz="1600" dirty="0"/>
-              <a:t> в </a:t>
-            </a:r>
-            <a:r>
-              <a:rPr lang="en-US" sz="1600" dirty="0" err="1"/>
-              <a:t>частотном</a:t>
-            </a:r>
-            <a:r>
-              <a:rPr lang="en-US" sz="1600" dirty="0"/>
-              <a:t> </a:t>
-            </a:r>
-            <a:r>
-              <a:rPr lang="en-US" sz="1600" dirty="0" err="1"/>
-              <a:t>поведении</a:t>
-            </a:r>
-            <a:r>
-              <a:rPr lang="en-US" sz="1600" dirty="0"/>
-              <a:t> </a:t>
-            </a:r>
-            <a:endParaRPr lang="ru-RU" sz="1600" dirty="0"/>
-          </a:p>
-          <a:p>
-            <a:pPr marL="914400" lvl="2" indent="-457200">
-              <a:buFont typeface="+mj-lt"/>
-              <a:buAutoNum type="arabicPeriod"/>
-            </a:pPr>
-            <a:r>
-              <a:rPr lang="ru-RU" sz="1600" dirty="0"/>
-              <a:t>Участка с 5 импульсами – схожесть по частоте повторения </a:t>
-            </a:r>
-            <a:r>
-              <a:rPr lang="ru-RU" sz="1600" dirty="0" err="1"/>
-              <a:t>патерна</a:t>
-            </a:r>
-            <a:endParaRPr lang="ru-RU" sz="1600" dirty="0"/>
-          </a:p>
-          <a:p>
-            <a:pPr marL="914400" lvl="2" indent="-457200">
-              <a:buFont typeface="+mj-lt"/>
-              <a:buAutoNum type="arabicPeriod"/>
-            </a:pPr>
-            <a:r>
-              <a:rPr lang="ru-RU" sz="1600" dirty="0"/>
-              <a:t>Участки, где </a:t>
-            </a:r>
-            <a:r>
-              <a:rPr lang="ru-RU" sz="1600" dirty="0" err="1"/>
-              <a:t>коллоколообразный</a:t>
-            </a:r>
-            <a:r>
-              <a:rPr lang="ru-RU" sz="1600" dirty="0"/>
-              <a:t> </a:t>
-            </a:r>
-            <a:r>
-              <a:rPr lang="ru-RU" sz="1600" dirty="0" err="1"/>
-              <a:t>импусль</a:t>
-            </a:r>
-            <a:r>
-              <a:rPr lang="ru-RU" sz="1600" dirty="0"/>
-              <a:t> </a:t>
-            </a:r>
-            <a:r>
-              <a:rPr lang="ru-RU" sz="1600" dirty="0" err="1"/>
-              <a:t>начиначется</a:t>
-            </a:r>
-            <a:r>
-              <a:rPr lang="ru-RU" sz="1600" dirty="0"/>
-              <a:t> в середине – схожесть во временном поведении</a:t>
-            </a:r>
-          </a:p>
-          <a:p>
-            <a:r>
-              <a:rPr lang="ru-RU" dirty="0"/>
-              <a:t>Есть задача найти локальный всплеск сигнала </a:t>
-            </a:r>
-            <a:r>
-              <a:rPr lang="ru-RU" dirty="0" err="1"/>
-              <a:t>Ритинограммы</a:t>
-            </a:r>
-            <a:r>
-              <a:rPr lang="ru-RU" dirty="0"/>
-              <a:t>, характерный для заболевания, какие подходы лучше использовать :</a:t>
-            </a:r>
-            <a:endParaRPr lang="ru-RU" sz="2400" dirty="0"/>
-          </a:p>
-          <a:p>
-            <a:pPr marL="914400" lvl="1" indent="-457200">
-              <a:buFont typeface="+mj-lt"/>
-              <a:buAutoNum type="arabicPeriod"/>
-            </a:pPr>
-            <a:r>
-              <a:rPr lang="en-US" sz="2000" dirty="0" err="1"/>
-              <a:t>knn-dtw</a:t>
-            </a:r>
-            <a:r>
-              <a:rPr lang="ru-RU" sz="2000" dirty="0"/>
-              <a:t> </a:t>
-            </a:r>
-            <a:r>
-              <a:rPr lang="en-US" sz="2000" dirty="0"/>
-              <a:t>(X)</a:t>
-            </a:r>
-            <a:r>
-              <a:rPr lang="ru-RU" sz="2200" dirty="0"/>
-              <a:t>.</a:t>
-            </a:r>
-            <a:endParaRPr lang="ru-RU" sz="3000" dirty="0"/>
-          </a:p>
-          <a:p>
-            <a:pPr marL="914400" lvl="1" indent="-457200">
-              <a:buFont typeface="+mj-lt"/>
-              <a:buAutoNum type="arabicPeriod"/>
-            </a:pPr>
-            <a:r>
-              <a:rPr lang="ru-RU" sz="2200" dirty="0" err="1"/>
-              <a:t>Шейплеты</a:t>
-            </a:r>
-            <a:r>
-              <a:rPr lang="ru-RU" sz="2200" dirty="0"/>
-              <a:t> </a:t>
-            </a:r>
-            <a:r>
-              <a:rPr lang="en-US" sz="2200" dirty="0"/>
-              <a:t>(x)</a:t>
-            </a:r>
-            <a:r>
-              <a:rPr lang="ru-RU" sz="2200" dirty="0"/>
-              <a:t>.</a:t>
-            </a:r>
-            <a:endParaRPr lang="ru-RU" sz="3000" dirty="0"/>
-          </a:p>
-          <a:p>
-            <a:pPr marL="914400" lvl="1" indent="-457200">
-              <a:buFont typeface="+mj-lt"/>
-              <a:buAutoNum type="arabicPeriod"/>
-            </a:pPr>
-            <a:r>
-              <a:rPr lang="ru-RU" sz="2200" dirty="0"/>
-              <a:t>Словари</a:t>
-            </a:r>
-          </a:p>
-          <a:p>
-            <a:pPr marL="914400" lvl="1" indent="-457200">
-              <a:buFont typeface="+mj-lt"/>
-              <a:buAutoNum type="arabicPeriod"/>
-            </a:pPr>
-            <a:r>
-              <a:rPr lang="ru-RU" sz="2200" dirty="0"/>
-              <a:t> </a:t>
-            </a:r>
-            <a:r>
-              <a:rPr lang="en-US" dirty="0" err="1"/>
-              <a:t>knn</a:t>
-            </a:r>
-            <a:r>
-              <a:rPr lang="en-US" dirty="0"/>
-              <a:t>-</a:t>
-            </a:r>
-            <a:r>
-              <a:rPr lang="ru-RU" dirty="0"/>
-              <a:t>эвклидова метрика</a:t>
-            </a:r>
-          </a:p>
-          <a:p>
-            <a:pPr marL="914400" lvl="1" indent="-457200">
-              <a:buFont typeface="+mj-lt"/>
-              <a:buAutoNum type="arabicPeriod"/>
-            </a:pPr>
-            <a:r>
-              <a:rPr lang="ru-RU" sz="2200" dirty="0"/>
-              <a:t>Таблица-</a:t>
-            </a:r>
-            <a:r>
-              <a:rPr lang="en-US" sz="2200" dirty="0"/>
-              <a:t>F1-</a:t>
-            </a:r>
-            <a:r>
-              <a:rPr lang="ru-RU" sz="2200" dirty="0"/>
-              <a:t>мера</a:t>
-            </a:r>
-          </a:p>
-          <a:p>
-            <a:pPr marL="914400" lvl="2" indent="-457200">
-              <a:buFont typeface="+mj-lt"/>
-              <a:buAutoNum type="arabicPeriod"/>
-            </a:pPr>
-            <a:endParaRPr lang="ru-RU" sz="1500" b="1" dirty="0">
-              <a:ea typeface="Calibri" panose="020F0502020204030204" pitchFamily="34" charset="0"/>
-              <a:cs typeface="Times New Roman" panose="02020603050405020304" pitchFamily="18" charset="0"/>
-            </a:endParaRPr>
-          </a:p>
-        </p:txBody>
-      </p:sp>
-    </p:spTree>
-    <p:extLst>
-      <p:ext uri="{BB962C8B-B14F-4D97-AF65-F5344CB8AC3E}">
-        <p14:creationId xmlns:p14="http://schemas.microsoft.com/office/powerpoint/2010/main" val="2271667042"/>
-      </p:ext>
-    </p:extLst>
-  </p:cSld>
-  <p:clrMapOvr>
-    <a:masterClrMapping/>
-  </p:clrMapOvr>
+  <p:timing>
+    <p:tnLst>
+      <p:par>
+        <p:cTn id="1" dur="indefinite" restart="never" nodeType="tmRoot"/>
+      </p:par>
+    </p:tnLst>
+  </p:timing>
 </p:sld>
 </file>
 
@@ -19135,6 +18865,13 @@
   <p:clrMapOvr>
     <a:masterClrMapping/>
   </p:clrMapOvr>
+  <p:timing>
+    <p:tnLst>
+      <p:par>
+        <p:cTn id="1" dur="indefinite" restart="never" nodeType="tmRoot"/>
+      </p:par>
+    </p:tnLst>
+  </p:timing>
 </p:sld>
 </file>
 
@@ -20250,6 +19987,13 @@
   <p:clrMapOvr>
     <a:masterClrMapping/>
   </p:clrMapOvr>
+  <p:timing>
+    <p:tnLst>
+      <p:par>
+        <p:cTn id="1" dur="indefinite" restart="never" nodeType="tmRoot"/>
+      </p:par>
+    </p:tnLst>
+  </p:timing>
 </p:sld>
 </file>
 
@@ -20456,6 +20200,13 @@
   <p:clrMapOvr>
     <a:masterClrMapping/>
   </p:clrMapOvr>
+  <p:timing>
+    <p:tnLst>
+      <p:par>
+        <p:cTn id="1" dur="indefinite" restart="never" nodeType="tmRoot"/>
+      </p:par>
+    </p:tnLst>
+  </p:timing>
 </p:sld>
 </file>
 
@@ -20961,6 +20712,13 @@
   <p:clrMapOvr>
     <a:masterClrMapping/>
   </p:clrMapOvr>
+  <p:timing>
+    <p:tnLst>
+      <p:par>
+        <p:cTn id="1" dur="indefinite" restart="never" nodeType="tmRoot"/>
+      </p:par>
+    </p:tnLst>
+  </p:timing>
 </p:sld>
 </file>
 
@@ -21020,8 +20778,8 @@
         </p:nvSpPr>
         <p:spPr>
           <a:xfrm>
-            <a:off x="494194" y="1055778"/>
-            <a:ext cx="10515600" cy="4351338"/>
+            <a:off x="293147" y="1055778"/>
+            <a:ext cx="8508067" cy="4351338"/>
           </a:xfrm>
         </p:spPr>
         <p:txBody>
@@ -21031,348 +20789,369 @@
           <a:lstStyle/>
           <a:p>
             <a:r>
-              <a:rPr lang="en-US" sz="2100" dirty="0" err="1"/>
+              <a:rPr lang="en-US" sz="2000" dirty="0" err="1"/>
               <a:t>схожесть</a:t>
             </a:r>
             <a:r>
-              <a:rPr lang="en-US" sz="2100" dirty="0"/>
-              <a:t> </a:t>
-            </a:r>
-            <a:r>
-              <a:rPr lang="en-US" sz="2100" dirty="0" err="1"/>
+              <a:rPr lang="en-US" sz="2000" dirty="0"/>
+              <a:t> </a:t>
+            </a:r>
+            <a:r>
+              <a:rPr lang="en-US" sz="2000" dirty="0" err="1"/>
               <a:t>может</a:t>
             </a:r>
             <a:r>
-              <a:rPr lang="en-US" sz="2100" dirty="0"/>
-              <a:t> </a:t>
-            </a:r>
-            <a:r>
-              <a:rPr lang="en-US" sz="2100" dirty="0" err="1"/>
+              <a:rPr lang="en-US" sz="2000" dirty="0"/>
+              <a:t> </a:t>
+            </a:r>
+            <a:r>
+              <a:rPr lang="en-US" sz="2000" dirty="0" err="1"/>
               <a:t>быть</a:t>
             </a:r>
             <a:r>
-              <a:rPr lang="en-US" sz="2100" dirty="0"/>
-              <a:t> </a:t>
-            </a:r>
-            <a:r>
-              <a:rPr lang="en-US" sz="2100" dirty="0" err="1"/>
+              <a:rPr lang="en-US" sz="2000" dirty="0"/>
+              <a:t> </a:t>
+            </a:r>
+            <a:r>
+              <a:rPr lang="en-US" sz="2000" dirty="0" err="1"/>
               <a:t>разной</a:t>
             </a:r>
             <a:r>
-              <a:rPr lang="en-US" sz="2100" dirty="0"/>
+              <a:rPr lang="en-US" sz="2000" dirty="0"/>
               <a:t>, </a:t>
             </a:r>
             <a:r>
-              <a:rPr lang="en-US" sz="2100" dirty="0" err="1"/>
+              <a:rPr lang="en-US" sz="2000" dirty="0" err="1"/>
               <a:t>например</a:t>
             </a:r>
             <a:r>
-              <a:rPr lang="en-US" sz="2100" dirty="0"/>
-              <a:t> </a:t>
-            </a:r>
-            <a:r>
-              <a:rPr lang="en-US" sz="2100" dirty="0" err="1"/>
+              <a:rPr lang="en-US" sz="2000" dirty="0"/>
+              <a:t> </a:t>
+            </a:r>
+            <a:r>
+              <a:rPr lang="en-US" sz="2000" dirty="0" err="1"/>
               <a:t>могут</a:t>
             </a:r>
             <a:r>
-              <a:rPr lang="en-US" sz="2100" dirty="0"/>
-              <a:t> </a:t>
-            </a:r>
-            <a:r>
-              <a:rPr lang="en-US" sz="2100" dirty="0" err="1"/>
+              <a:rPr lang="en-US" sz="2000" dirty="0"/>
+              <a:t> </a:t>
+            </a:r>
+            <a:r>
+              <a:rPr lang="en-US" sz="2000" dirty="0" err="1"/>
               <a:t>быть</a:t>
             </a:r>
             <a:r>
-              <a:rPr lang="en-US" sz="2100" dirty="0"/>
-              <a:t> </a:t>
-            </a:r>
-            <a:r>
-              <a:rPr lang="en-US" sz="2100" dirty="0" err="1"/>
+              <a:rPr lang="en-US" sz="2000" dirty="0"/>
+              <a:t> </a:t>
+            </a:r>
+            <a:r>
+              <a:rPr lang="en-US" sz="2000" dirty="0" err="1"/>
               <a:t>следующие</a:t>
             </a:r>
             <a:r>
-              <a:rPr lang="en-US" sz="2100" dirty="0"/>
-              <a:t> </a:t>
-            </a:r>
-            <a:r>
-              <a:rPr lang="en-US" sz="2100" dirty="0" err="1"/>
+              <a:rPr lang="en-US" sz="2000" dirty="0"/>
+              <a:t> </a:t>
+            </a:r>
+            <a:r>
+              <a:rPr lang="en-US" sz="2000" dirty="0" err="1"/>
               <a:t>варианты</a:t>
             </a:r>
             <a:r>
-              <a:rPr lang="en-US" sz="2100" dirty="0"/>
+              <a:rPr lang="en-US" sz="2000" dirty="0"/>
               <a:t>:   </a:t>
             </a:r>
-            <a:endParaRPr lang="ru-RU" sz="2100" dirty="0"/>
+            <a:endParaRPr lang="ru-RU" sz="2000" dirty="0"/>
           </a:p>
           <a:p>
             <a:pPr lvl="1"/>
             <a:r>
-              <a:rPr lang="ru-RU" b="1" dirty="0"/>
+              <a:rPr lang="ru-RU" sz="2000" b="1" dirty="0"/>
               <a:t>схожесть во временном поведении </a:t>
             </a:r>
             <a:r>
-              <a:rPr lang="en-US" sz="2100" dirty="0"/>
+              <a:rPr lang="en-US" sz="2000" dirty="0"/>
               <a:t>(</a:t>
             </a:r>
             <a:r>
-              <a:rPr lang="en-US" sz="2100" dirty="0" err="1"/>
+              <a:rPr lang="en-US" sz="2000" dirty="0" err="1"/>
               <a:t>рисунок</a:t>
             </a:r>
             <a:r>
-              <a:rPr lang="en-US" sz="2100" dirty="0"/>
+              <a:rPr lang="en-US" sz="2000" dirty="0"/>
               <a:t> А).  </a:t>
             </a:r>
-            <a:endParaRPr lang="ru-RU" sz="2100" dirty="0"/>
+            <a:endParaRPr lang="ru-RU" sz="2000" dirty="0"/>
           </a:p>
           <a:p>
             <a:pPr lvl="1"/>
             <a:r>
-              <a:rPr lang="en-US" sz="2100" dirty="0" err="1"/>
+              <a:rPr lang="en-US" sz="2000" dirty="0" err="1"/>
               <a:t>схожесть</a:t>
             </a:r>
             <a:r>
-              <a:rPr lang="en-US" sz="2100" dirty="0"/>
+              <a:rPr lang="en-US" sz="2000" dirty="0"/>
               <a:t> в </a:t>
             </a:r>
             <a:r>
-              <a:rPr lang="en-US" sz="2100" dirty="0" err="1"/>
+              <a:rPr lang="en-US" sz="2000" dirty="0" err="1"/>
               <a:t>частотном</a:t>
             </a:r>
             <a:r>
-              <a:rPr lang="en-US" sz="2100" dirty="0"/>
-              <a:t> </a:t>
-            </a:r>
-            <a:r>
-              <a:rPr lang="en-US" sz="2100" dirty="0" err="1"/>
+              <a:rPr lang="en-US" sz="2000" dirty="0"/>
+              <a:t> </a:t>
+            </a:r>
+            <a:r>
+              <a:rPr lang="en-US" sz="2000" dirty="0" err="1"/>
               <a:t>поведении</a:t>
             </a:r>
             <a:r>
-              <a:rPr lang="en-US" sz="2100" dirty="0"/>
+              <a:rPr lang="en-US" sz="2000" dirty="0"/>
               <a:t> (</a:t>
             </a:r>
             <a:r>
-              <a:rPr lang="en-US" sz="2100" dirty="0" err="1"/>
+              <a:rPr lang="en-US" sz="2000" dirty="0" err="1"/>
               <a:t>налчие</a:t>
             </a:r>
             <a:r>
-              <a:rPr lang="en-US" sz="2100" dirty="0"/>
-              <a:t> </a:t>
-            </a:r>
-            <a:r>
-              <a:rPr lang="en-US" sz="2100" dirty="0" err="1"/>
+              <a:rPr lang="en-US" sz="2000" dirty="0"/>
+              <a:t> </a:t>
+            </a:r>
+            <a:r>
+              <a:rPr lang="en-US" sz="2000" dirty="0" err="1"/>
               <a:t>определннных</a:t>
             </a:r>
             <a:r>
-              <a:rPr lang="en-US" sz="2100" dirty="0"/>
-              <a:t> </a:t>
-            </a:r>
-            <a:r>
-              <a:rPr lang="en-US" sz="2100" dirty="0" err="1"/>
+              <a:rPr lang="en-US" sz="2000" dirty="0"/>
+              <a:t> </a:t>
+            </a:r>
+            <a:r>
+              <a:rPr lang="en-US" sz="2000" dirty="0" err="1"/>
               <a:t>компонент</a:t>
             </a:r>
             <a:r>
-              <a:rPr lang="en-US" sz="2100" dirty="0"/>
+              <a:rPr lang="en-US" sz="2000" dirty="0"/>
               <a:t> в </a:t>
             </a:r>
             <a:r>
-              <a:rPr lang="en-US" sz="2100" dirty="0" err="1"/>
+              <a:rPr lang="en-US" sz="2000" dirty="0" err="1"/>
               <a:t>спектре</a:t>
             </a:r>
             <a:r>
-              <a:rPr lang="en-US" sz="2100" dirty="0"/>
+              <a:rPr lang="en-US" sz="2000" dirty="0"/>
               <a:t>) (</a:t>
             </a:r>
             <a:r>
-              <a:rPr lang="en-US" sz="2100" dirty="0" err="1"/>
+              <a:rPr lang="en-US" sz="2000" dirty="0" err="1"/>
               <a:t>рисунок</a:t>
             </a:r>
             <a:r>
-              <a:rPr lang="en-US" sz="2100" dirty="0"/>
+              <a:rPr lang="en-US" sz="2000" dirty="0"/>
               <a:t> Б).</a:t>
             </a:r>
-            <a:endParaRPr lang="ru-RU" sz="2100" dirty="0"/>
+            <a:endParaRPr lang="ru-RU" sz="2000" dirty="0"/>
           </a:p>
           <a:p>
             <a:pPr lvl="2"/>
             <a:r>
-              <a:rPr lang="ru-RU" sz="2100" dirty="0"/>
+              <a:rPr lang="ru-RU" dirty="0"/>
               <a:t>А также время-частотное поведение.</a:t>
             </a:r>
             <a:r>
-              <a:rPr lang="en-US" sz="2100" dirty="0"/>
+              <a:rPr lang="en-US" dirty="0"/>
               <a:t>  </a:t>
             </a:r>
-            <a:endParaRPr lang="ru-RU" sz="2100" dirty="0"/>
+            <a:endParaRPr lang="ru-RU" dirty="0"/>
           </a:p>
           <a:p>
             <a:pPr lvl="1"/>
             <a:r>
-              <a:rPr lang="en-US" sz="2100" b="1" dirty="0" err="1"/>
+              <a:rPr lang="en-US" sz="2000" b="1" dirty="0" err="1"/>
               <a:t>схожесть</a:t>
             </a:r>
             <a:r>
-              <a:rPr lang="en-US" sz="2100" b="1" dirty="0"/>
-              <a:t> </a:t>
-            </a:r>
-            <a:r>
-              <a:rPr lang="en-US" sz="2100" b="1" dirty="0" err="1"/>
+              <a:rPr lang="en-US" sz="2000" b="1" dirty="0"/>
+              <a:t> </a:t>
+            </a:r>
+            <a:r>
+              <a:rPr lang="en-US" sz="2000" b="1" dirty="0" err="1"/>
               <a:t>по</a:t>
             </a:r>
             <a:r>
-              <a:rPr lang="en-US" sz="2100" b="1" dirty="0"/>
-              <a:t> </a:t>
-            </a:r>
-            <a:r>
-              <a:rPr lang="en-US" sz="2100" b="1" dirty="0" err="1"/>
+              <a:rPr lang="en-US" sz="2000" b="1" dirty="0"/>
+              <a:t> </a:t>
+            </a:r>
+            <a:r>
+              <a:rPr lang="en-US" sz="2000" b="1" dirty="0" err="1"/>
               <a:t>форме</a:t>
             </a:r>
             <a:r>
-              <a:rPr lang="en-US" sz="2100" b="1" dirty="0"/>
-              <a:t> </a:t>
-            </a:r>
-            <a:r>
-              <a:rPr lang="en-US" sz="2100" dirty="0"/>
+              <a:rPr lang="en-US" sz="2000" b="1" dirty="0"/>
+              <a:t> </a:t>
+            </a:r>
+            <a:r>
+              <a:rPr lang="en-US" sz="2000" dirty="0"/>
               <a:t>(</a:t>
             </a:r>
             <a:r>
-              <a:rPr lang="en-US" sz="2100" dirty="0" err="1"/>
+              <a:rPr lang="en-US" sz="2000" dirty="0" err="1"/>
               <a:t>патерн</a:t>
             </a:r>
             <a:r>
-              <a:rPr lang="en-US" sz="2100" dirty="0"/>
+              <a:rPr lang="en-US" sz="2000" dirty="0"/>
               <a:t>, </a:t>
             </a:r>
             <a:r>
-              <a:rPr lang="en-US" sz="2100" dirty="0" err="1"/>
+              <a:rPr lang="en-US" sz="2000" dirty="0" err="1"/>
               <a:t>без</a:t>
             </a:r>
             <a:r>
-              <a:rPr lang="en-US" sz="2100" dirty="0"/>
-              <a:t> </a:t>
-            </a:r>
-            <a:r>
-              <a:rPr lang="en-US" sz="2100" dirty="0" err="1"/>
+              <a:rPr lang="en-US" sz="2000" dirty="0"/>
+              <a:t> </a:t>
+            </a:r>
+            <a:r>
+              <a:rPr lang="en-US" sz="2000" dirty="0" err="1"/>
               <a:t>привязки</a:t>
             </a:r>
             <a:r>
-              <a:rPr lang="en-US" sz="2100" dirty="0"/>
-              <a:t> </a:t>
-            </a:r>
-            <a:r>
-              <a:rPr lang="en-US" sz="2100" dirty="0" err="1"/>
+              <a:rPr lang="en-US" sz="2000" dirty="0"/>
+              <a:t> </a:t>
+            </a:r>
+            <a:r>
+              <a:rPr lang="en-US" sz="2000" dirty="0" err="1"/>
               <a:t>ко</a:t>
             </a:r>
             <a:r>
-              <a:rPr lang="en-US" sz="2100" dirty="0"/>
-              <a:t> </a:t>
-            </a:r>
-            <a:r>
-              <a:rPr lang="en-US" sz="2100" dirty="0" err="1"/>
+              <a:rPr lang="en-US" sz="2000" dirty="0"/>
+              <a:t> </a:t>
+            </a:r>
+            <a:r>
+              <a:rPr lang="en-US" sz="2000" dirty="0" err="1"/>
               <a:t>времени</a:t>
             </a:r>
             <a:r>
-              <a:rPr lang="en-US" sz="2100" dirty="0"/>
+              <a:rPr lang="en-US" sz="2000" dirty="0"/>
               <a:t>) (</a:t>
             </a:r>
             <a:r>
-              <a:rPr lang="en-US" sz="2100" dirty="0" err="1"/>
+              <a:rPr lang="en-US" sz="2000" dirty="0" err="1"/>
               <a:t>рисунок</a:t>
             </a:r>
             <a:r>
-              <a:rPr lang="en-US" sz="2100" dirty="0"/>
+              <a:rPr lang="en-US" sz="2000" dirty="0"/>
               <a:t> В).  </a:t>
             </a:r>
-            <a:endParaRPr lang="ru-RU" sz="2100" dirty="0"/>
-          </a:p>
-          <a:p>
-            <a:pPr lvl="2"/>
-            <a:r>
-              <a:rPr lang="ru-RU" sz="2100" b="1" dirty="0"/>
-              <a:t>Схожесть по частоте повторяемости</a:t>
-            </a:r>
-            <a:r>
-              <a:rPr lang="ru-RU" sz="2100" dirty="0"/>
-              <a:t>, паттерн – шаблон поведения.</a:t>
-            </a:r>
+            <a:endParaRPr lang="ru-RU" sz="2000" dirty="0"/>
           </a:p>
           <a:p>
             <a:pPr lvl="1"/>
             <a:r>
-              <a:rPr lang="en-US" sz="2100" dirty="0" err="1"/>
+              <a:rPr lang="en-US" sz="2000" dirty="0" err="1" smtClean="0"/>
               <a:t>схожесть</a:t>
             </a:r>
             <a:r>
-              <a:rPr lang="en-US" sz="2100" dirty="0"/>
-              <a:t> </a:t>
-            </a:r>
-            <a:r>
-              <a:rPr lang="en-US" sz="2100" dirty="0" err="1"/>
+              <a:rPr lang="en-US" sz="2000" dirty="0" smtClean="0"/>
+              <a:t> </a:t>
+            </a:r>
+            <a:r>
+              <a:rPr lang="en-US" sz="2000" dirty="0" err="1"/>
               <a:t>поведения</a:t>
             </a:r>
             <a:r>
-              <a:rPr lang="en-US" sz="2100" dirty="0"/>
-              <a:t> </a:t>
-            </a:r>
-            <a:r>
-              <a:rPr lang="en-US" sz="2100" dirty="0" err="1"/>
+              <a:rPr lang="en-US" sz="2000" dirty="0"/>
+              <a:t> </a:t>
+            </a:r>
+            <a:r>
+              <a:rPr lang="en-US" sz="2000" dirty="0" err="1"/>
               <a:t>компонет</a:t>
             </a:r>
             <a:r>
-              <a:rPr lang="en-US" sz="2100" dirty="0"/>
+              <a:rPr lang="en-US" sz="2000" dirty="0"/>
               <a:t> (</a:t>
             </a:r>
             <a:r>
-              <a:rPr lang="en-US" sz="2100" dirty="0" err="1"/>
+              <a:rPr lang="en-US" sz="2000" dirty="0" err="1"/>
               <a:t>монотонный</a:t>
             </a:r>
             <a:r>
-              <a:rPr lang="en-US" sz="2100" dirty="0"/>
-              <a:t> </a:t>
-            </a:r>
-            <a:r>
-              <a:rPr lang="en-US" sz="2100" dirty="0" err="1"/>
+              <a:rPr lang="en-US" sz="2000" dirty="0"/>
+              <a:t> </a:t>
+            </a:r>
+            <a:r>
+              <a:rPr lang="en-US" sz="2000" dirty="0" err="1"/>
               <a:t>тренд</a:t>
             </a:r>
             <a:r>
-              <a:rPr lang="en-US" sz="2100" dirty="0"/>
+              <a:rPr lang="en-US" sz="2000" dirty="0"/>
               <a:t>, </a:t>
             </a:r>
             <a:r>
-              <a:rPr lang="en-US" sz="2100" dirty="0" err="1"/>
+              <a:rPr lang="en-US" sz="2000" dirty="0" err="1"/>
               <a:t>характер</a:t>
             </a:r>
             <a:r>
-              <a:rPr lang="en-US" sz="2100" dirty="0"/>
-              <a:t> </a:t>
-            </a:r>
-            <a:r>
-              <a:rPr lang="en-US" sz="2100" dirty="0" err="1"/>
+              <a:rPr lang="en-US" sz="2000" dirty="0"/>
+              <a:t> </a:t>
+            </a:r>
+            <a:r>
+              <a:rPr lang="en-US" sz="2000" dirty="0" err="1"/>
               <a:t>сезонности</a:t>
             </a:r>
             <a:r>
-              <a:rPr lang="en-US" sz="2100" dirty="0"/>
+              <a:rPr lang="en-US" sz="2000" dirty="0"/>
               <a:t> и </a:t>
             </a:r>
             <a:r>
-              <a:rPr lang="en-US" sz="2100" dirty="0" err="1"/>
+              <a:rPr lang="en-US" sz="2000" dirty="0" err="1"/>
               <a:t>т.д</a:t>
             </a:r>
             <a:r>
-              <a:rPr lang="en-US" sz="2100" dirty="0"/>
+              <a:rPr lang="en-US" sz="2000" dirty="0"/>
               <a:t>.) (</a:t>
             </a:r>
             <a:r>
-              <a:rPr lang="en-US" sz="2100" dirty="0" err="1"/>
+              <a:rPr lang="en-US" sz="2000" dirty="0" err="1"/>
               <a:t>рисунок</a:t>
             </a:r>
             <a:r>
-              <a:rPr lang="en-US" sz="2100" dirty="0"/>
-              <a:t> Г).</a:t>
-            </a:r>
-            <a:endParaRPr lang="ru-RU" sz="2100" dirty="0"/>
-          </a:p>
-          <a:p>
-            <a:endParaRPr lang="ru-RU" sz="2100" dirty="0"/>
+              <a:rPr lang="en-US" sz="2000" dirty="0"/>
+              <a:t> Г</a:t>
+            </a:r>
+            <a:r>
+              <a:rPr lang="en-US" sz="2000" dirty="0" smtClean="0"/>
+              <a:t>).</a:t>
+            </a:r>
+            <a:endParaRPr lang="ru-RU" sz="2000" dirty="0" smtClean="0"/>
+          </a:p>
+          <a:p>
+            <a:pPr lvl="1"/>
+            <a:r>
+              <a:rPr lang="ru-RU" sz="2000" b="1" dirty="0"/>
+              <a:t>Схожесть по частоте </a:t>
+            </a:r>
+            <a:r>
+              <a:rPr lang="ru-RU" sz="2000" b="1" dirty="0" smtClean="0"/>
+              <a:t>повторяемости</a:t>
+            </a:r>
+            <a:r>
+              <a:rPr lang="ru-RU" sz="2000" dirty="0" smtClean="0"/>
+              <a:t> паттерна </a:t>
+            </a:r>
+            <a:r>
+              <a:rPr lang="ru-RU" sz="2000" dirty="0"/>
+              <a:t>– </a:t>
+            </a:r>
+            <a:r>
+              <a:rPr lang="ru-RU" sz="2000" dirty="0" smtClean="0"/>
+              <a:t>шаблона поведения (рисунок Д).</a:t>
+            </a:r>
+            <a:endParaRPr lang="ru-RU" sz="2000" dirty="0"/>
+          </a:p>
+          <a:p>
+            <a:pPr lvl="1"/>
+            <a:endParaRPr lang="ru-RU" sz="2000" dirty="0"/>
+          </a:p>
+          <a:p>
+            <a:endParaRPr lang="ru-RU" sz="2000" dirty="0"/>
           </a:p>
         </p:txBody>
       </p:sp>
@@ -21430,6 +21209,30 @@
           </a:ln>
         </p:spPr>
       </p:pic>
+      <p:pic>
+        <p:nvPicPr>
+          <p:cNvPr id="7" name="Рисунок 6"/>
+          <p:cNvPicPr>
+            <a:picLocks noChangeAspect="1"/>
+          </p:cNvPicPr>
+          <p:nvPr/>
+        </p:nvPicPr>
+        <p:blipFill>
+          <a:blip r:embed="rId3"/>
+          <a:stretch>
+            <a:fillRect/>
+          </a:stretch>
+        </p:blipFill>
+        <p:spPr>
+          <a:xfrm>
+            <a:off x="8997756" y="2259697"/>
+            <a:ext cx="2708100" cy="1943500"/>
+          </a:xfrm>
+          <a:prstGeom prst="rect">
+            <a:avLst/>
+          </a:prstGeom>
+        </p:spPr>
+      </p:pic>
     </p:spTree>
     <p:extLst>
       <p:ext uri="{BB962C8B-B14F-4D97-AF65-F5344CB8AC3E}">
@@ -21440,6 +21243,13 @@
   <p:clrMapOvr>
     <a:masterClrMapping/>
   </p:clrMapOvr>
+  <p:timing>
+    <p:tnLst>
+      <p:par>
+        <p:cTn id="1" dur="indefinite" restart="never" nodeType="tmRoot"/>
+      </p:par>
+    </p:tnLst>
+  </p:timing>
 </p:sld>
 </file>
 
@@ -21513,6 +21323,11 @@
               <a:rPr lang="ru-RU" sz="2200" dirty="0"/>
               <a:t>на основе сегментов ряда </a:t>
             </a:r>
+            <a:r>
+              <a:rPr lang="ru-RU" sz="2200" dirty="0" smtClean="0"/>
+              <a:t>(или интервалов внутри сегмента)</a:t>
+            </a:r>
+            <a:endParaRPr lang="ru-RU" sz="2200" dirty="0"/>
           </a:p>
           <a:p>
             <a:pPr lvl="1"/>
@@ -21888,6 +21703,13 @@
   <p:clrMapOvr>
     <a:masterClrMapping/>
   </p:clrMapOvr>
+  <p:timing>
+    <p:tnLst>
+      <p:par>
+        <p:cTn id="1" dur="indefinite" restart="never" nodeType="tmRoot"/>
+      </p:par>
+    </p:tnLst>
+  </p:timing>
 </p:sld>
 </file>
 
